--- a/Docs/apresentacao4-internet.pptx
+++ b/Docs/apresentacao4-internet.pptx
@@ -5,13 +5,18 @@
     <p:sldMasterId id="2147483684" r:id="rId1"/>
   </p:sldMasterIdLst>
   <p:notesMasterIdLst>
-    <p:notesMasterId r:id="rId6"/>
+    <p:notesMasterId r:id="rId11"/>
   </p:notesMasterIdLst>
   <p:sldIdLst>
     <p:sldId id="256" r:id="rId2"/>
     <p:sldId id="258" r:id="rId3"/>
     <p:sldId id="259" r:id="rId4"/>
-    <p:sldId id="260" r:id="rId5"/>
+    <p:sldId id="266" r:id="rId5"/>
+    <p:sldId id="265" r:id="rId6"/>
+    <p:sldId id="260" r:id="rId7"/>
+    <p:sldId id="261" r:id="rId8"/>
+    <p:sldId id="262" r:id="rId9"/>
+    <p:sldId id="263" r:id="rId10"/>
   </p:sldIdLst>
   <p:sldSz cx="12192000" cy="6858000"/>
   <p:notesSz cx="6858000" cy="9144000"/>
@@ -118,13 +123,25 @@
             <p14:sldId id="256"/>
             <p14:sldId id="258"/>
             <p14:sldId id="259"/>
+            <p14:sldId id="266"/>
+            <p14:sldId id="265"/>
             <p14:sldId id="260"/>
+            <p14:sldId id="261"/>
+            <p14:sldId id="262"/>
+            <p14:sldId id="263"/>
           </p14:sldIdLst>
         </p14:section>
       </p14:sectionLst>
     </p:ext>
+    <p:ext uri="{EFAFB233-063F-42B5-8137-9DF3F51BA10A}">
+      <p15:sldGuideLst xmlns:p15="http://schemas.microsoft.com/office/powerpoint/2012/main"/>
+    </p:ext>
   </p:extLst>
 </p:presentation>
+</file>
+
+<file path=ppt/revisionInfo.xml><?xml version="1.0" encoding="utf-8"?>
+<p1510:revInfo xmlns:a="http://schemas.openxmlformats.org/drawingml/2006/main" xmlns:r="http://schemas.openxmlformats.org/officeDocument/2006/relationships" xmlns:p1510="http://schemas.microsoft.com/office/powerpoint/2015/10/main"/>
 </file>
 
 <file path=ppt/notesMasters/notesMaster1.xml><?xml version="1.0" encoding="utf-8"?>
@@ -209,7 +226,7 @@
           <a:p>
             <a:fld id="{A171024B-AA76-473E-A59E-6723675738CB}" type="datetimeFigureOut">
               <a:rPr lang="pt-BR" smtClean="0"/>
-              <a:t>19/06/2017</a:t>
+              <a:t>21/06/2017</a:t>
             </a:fld>
             <a:endParaRPr lang="pt-BR"/>
           </a:p>
@@ -679,7 +696,7 @@
           <a:p>
             <a:fld id="{C363E4D7-713E-4069-8982-61C95BEFA25F}" type="datetime1">
               <a:rPr lang="en-US" smtClean="0"/>
-              <a:t>6/19/2017</a:t>
+              <a:t>6/21/2017</a:t>
             </a:fld>
             <a:endParaRPr lang="en-US" dirty="0"/>
           </a:p>
@@ -866,7 +883,7 @@
           <a:p>
             <a:fld id="{DDE4923F-A2DA-4987-8D90-BD9FAFED91A2}" type="datetime1">
               <a:rPr lang="en-US" smtClean="0"/>
-              <a:t>6/19/2017</a:t>
+              <a:t>6/21/2017</a:t>
             </a:fld>
             <a:endParaRPr lang="en-US" dirty="0"/>
           </a:p>
@@ -1041,7 +1058,7 @@
           <a:p>
             <a:fld id="{0DDDA685-75C5-45F6-98D7-6EF3E6B56B54}" type="datetime1">
               <a:rPr lang="en-US" smtClean="0"/>
-              <a:t>6/19/2017</a:t>
+              <a:t>6/21/2017</a:t>
             </a:fld>
             <a:endParaRPr lang="en-US" dirty="0"/>
           </a:p>
@@ -1206,7 +1223,7 @@
           <a:p>
             <a:fld id="{141C1A4E-72B5-47A1-9239-8DDAEF6BBA77}" type="datetime1">
               <a:rPr lang="en-US" smtClean="0"/>
-              <a:t>6/19/2017</a:t>
+              <a:t>6/21/2017</a:t>
             </a:fld>
             <a:endParaRPr lang="en-US" dirty="0"/>
           </a:p>
@@ -1452,7 +1469,7 @@
           <a:p>
             <a:fld id="{AD200D6B-A355-4BB7-A79F-12F755F0302C}" type="datetime1">
               <a:rPr lang="en-US" smtClean="0"/>
-              <a:t>6/19/2017</a:t>
+              <a:t>6/21/2017</a:t>
             </a:fld>
             <a:endParaRPr lang="en-US" dirty="0"/>
           </a:p>
@@ -1770,7 +1787,7 @@
           <a:p>
             <a:fld id="{D5C1DA71-0FF8-4473-AAC9-40B0262D88E4}" type="datetime1">
               <a:rPr lang="en-US" smtClean="0"/>
-              <a:t>6/19/2017</a:t>
+              <a:t>6/21/2017</a:t>
             </a:fld>
             <a:endParaRPr lang="en-US" dirty="0"/>
           </a:p>
@@ -2189,7 +2206,7 @@
           <a:p>
             <a:fld id="{3D442D81-691D-467B-A271-CA24AE58BE6B}" type="datetime1">
               <a:rPr lang="en-US" smtClean="0"/>
-              <a:t>6/19/2017</a:t>
+              <a:t>6/21/2017</a:t>
             </a:fld>
             <a:endParaRPr lang="en-US" dirty="0"/>
           </a:p>
@@ -2302,7 +2319,7 @@
           <a:p>
             <a:fld id="{0B62F8F2-A1D2-47FA-95B7-6630F6374604}" type="datetime1">
               <a:rPr lang="en-US" smtClean="0"/>
-              <a:t>6/19/2017</a:t>
+              <a:t>6/21/2017</a:t>
             </a:fld>
             <a:endParaRPr lang="en-US" dirty="0"/>
           </a:p>
@@ -2392,7 +2409,7 @@
           <a:p>
             <a:fld id="{4DBA2C01-2154-482C-BF1A-99510ECC5955}" type="datetime1">
               <a:rPr lang="en-US" smtClean="0"/>
-              <a:t>6/19/2017</a:t>
+              <a:t>6/21/2017</a:t>
             </a:fld>
             <a:endParaRPr lang="en-US" dirty="0"/>
           </a:p>
@@ -2677,7 +2694,7 @@
           <a:p>
             <a:fld id="{3F3D2171-FB9A-481C-A56E-87B7317A761B}" type="datetime1">
               <a:rPr lang="en-US" smtClean="0"/>
-              <a:t>6/19/2017</a:t>
+              <a:t>6/21/2017</a:t>
             </a:fld>
             <a:endParaRPr lang="en-US" dirty="0"/>
           </a:p>
@@ -2944,7 +2961,7 @@
           <a:p>
             <a:fld id="{28AEAED7-0A6C-44BA-AF33-AF7F939EBE97}" type="datetime1">
               <a:rPr lang="en-US" smtClean="0"/>
-              <a:t>6/19/2017</a:t>
+              <a:t>6/21/2017</a:t>
             </a:fld>
             <a:endParaRPr lang="en-US" dirty="0"/>
           </a:p>
@@ -3213,7 +3230,7 @@
           <a:p>
             <a:fld id="{4038D92C-84FB-4421-A210-466A5F835036}" type="datetime1">
               <a:rPr lang="en-US" smtClean="0"/>
-              <a:t>6/19/2017</a:t>
+              <a:t>6/21/2017</a:t>
             </a:fld>
             <a:endParaRPr lang="en-US" dirty="0"/>
           </a:p>
@@ -3897,36 +3914,319 @@
           </a:p>
         </p:txBody>
       </p:sp>
-      <p:pic>
-        <p:nvPicPr>
-          <p:cNvPr id="7" name="Espaço Reservado para Conteúdo 6" descr="Uma imagem contendo laser, voando, bambolê, ao ar livre&#10;&#10;Descrição gerada com alta confiança">
+      <p:sp>
+        <p:nvSpPr>
+          <p:cNvPr id="4" name="Espaço Reservado para Conteúdo 2">
             <a:extLst>
               <a:ext uri="{FF2B5EF4-FFF2-40B4-BE49-F238E27FC236}">
-                <a16:creationId xmlns:a16="http://schemas.microsoft.com/office/drawing/2014/main" id="{5E644F11-A44D-4B74-9168-ED4ACA6D7D00}"/>
+                <a16:creationId xmlns:a16="http://schemas.microsoft.com/office/drawing/2014/main" id="{584528B5-6320-423F-8E20-181089DC6061}"/>
               </a:ext>
             </a:extLst>
           </p:cNvPr>
-          <p:cNvPicPr>
-            <a:picLocks noChangeAspect="1"/>
-          </p:cNvPicPr>
+          <p:cNvSpPr txBox="1">
+            <a:spLocks/>
+          </p:cNvSpPr>
           <p:nvPr/>
-        </p:nvPicPr>
-        <p:blipFill>
-          <a:blip r:embed="rId2"/>
-          <a:stretch>
-            <a:fillRect/>
-          </a:stretch>
-        </p:blipFill>
+        </p:nvSpPr>
         <p:spPr>
           <a:xfrm>
-            <a:off x="579713" y="458274"/>
-            <a:ext cx="10929654" cy="6399726"/>
+            <a:off x="1074529" y="994694"/>
+            <a:ext cx="9872871" cy="5481851"/>
           </a:xfrm>
           <a:prstGeom prst="rect">
             <a:avLst/>
           </a:prstGeom>
         </p:spPr>
-      </p:pic>
+        <p:txBody>
+          <a:bodyPr vert="horz" lIns="91440" tIns="45720" rIns="91440" bIns="45720" rtlCol="0">
+            <a:normAutofit/>
+          </a:bodyPr>
+          <a:lstStyle>
+            <a:lvl1pPr marL="0" indent="0" algn="ctr" defTabSz="914377" rtl="0" eaLnBrk="1" latinLnBrk="0" hangingPunct="1">
+              <a:lnSpc>
+                <a:spcPct val="90000"/>
+              </a:lnSpc>
+              <a:spcBef>
+                <a:spcPts val="1400"/>
+              </a:spcBef>
+              <a:buClr>
+                <a:schemeClr val="tx1"/>
+              </a:buClr>
+              <a:buSzPct val="80000"/>
+              <a:buFont typeface="Corbel" pitchFamily="34" charset="0"/>
+              <a:buNone/>
+              <a:defRPr sz="2200" kern="1200">
+                <a:solidFill>
+                  <a:schemeClr val="tx1"/>
+                </a:solidFill>
+                <a:latin typeface="+mn-lt"/>
+                <a:ea typeface="+mn-ea"/>
+                <a:cs typeface="+mn-cs"/>
+              </a:defRPr>
+            </a:lvl1pPr>
+            <a:lvl2pPr marL="457189" indent="0" algn="ctr" defTabSz="914377" rtl="0" eaLnBrk="1" latinLnBrk="0" hangingPunct="1">
+              <a:lnSpc>
+                <a:spcPct val="90000"/>
+              </a:lnSpc>
+              <a:spcBef>
+                <a:spcPts val="200"/>
+              </a:spcBef>
+              <a:spcAft>
+                <a:spcPts val="400"/>
+              </a:spcAft>
+              <a:buClr>
+                <a:schemeClr val="tx1"/>
+              </a:buClr>
+              <a:buSzPct val="80000"/>
+              <a:buFont typeface="Corbel" pitchFamily="34" charset="0"/>
+              <a:buNone/>
+              <a:defRPr sz="2200" kern="1200">
+                <a:solidFill>
+                  <a:schemeClr val="tx1"/>
+                </a:solidFill>
+                <a:latin typeface="+mn-lt"/>
+                <a:ea typeface="+mn-ea"/>
+                <a:cs typeface="+mn-cs"/>
+              </a:defRPr>
+            </a:lvl2pPr>
+            <a:lvl3pPr marL="914377" indent="0" algn="ctr" defTabSz="914377" rtl="0" eaLnBrk="1" latinLnBrk="0" hangingPunct="1">
+              <a:lnSpc>
+                <a:spcPct val="90000"/>
+              </a:lnSpc>
+              <a:spcBef>
+                <a:spcPts val="200"/>
+              </a:spcBef>
+              <a:spcAft>
+                <a:spcPts val="400"/>
+              </a:spcAft>
+              <a:buClr>
+                <a:schemeClr val="tx1"/>
+              </a:buClr>
+              <a:buSzPct val="80000"/>
+              <a:buFont typeface="Corbel" pitchFamily="34" charset="0"/>
+              <a:buNone/>
+              <a:defRPr sz="2200" kern="1200">
+                <a:solidFill>
+                  <a:schemeClr val="tx1"/>
+                </a:solidFill>
+                <a:latin typeface="+mn-lt"/>
+                <a:ea typeface="+mn-ea"/>
+                <a:cs typeface="+mn-cs"/>
+              </a:defRPr>
+            </a:lvl3pPr>
+            <a:lvl4pPr marL="1371566" indent="0" algn="ctr" defTabSz="914377" rtl="0" eaLnBrk="1" latinLnBrk="0" hangingPunct="1">
+              <a:lnSpc>
+                <a:spcPct val="90000"/>
+              </a:lnSpc>
+              <a:spcBef>
+                <a:spcPts val="200"/>
+              </a:spcBef>
+              <a:spcAft>
+                <a:spcPts val="400"/>
+              </a:spcAft>
+              <a:buClr>
+                <a:schemeClr val="tx1"/>
+              </a:buClr>
+              <a:buSzPct val="80000"/>
+              <a:buFont typeface="Corbel" pitchFamily="34" charset="0"/>
+              <a:buNone/>
+              <a:defRPr sz="2000" kern="1200">
+                <a:solidFill>
+                  <a:schemeClr val="tx1"/>
+                </a:solidFill>
+                <a:latin typeface="+mn-lt"/>
+                <a:ea typeface="+mn-ea"/>
+                <a:cs typeface="+mn-cs"/>
+              </a:defRPr>
+            </a:lvl4pPr>
+            <a:lvl5pPr marL="1828754" indent="0" algn="ctr" defTabSz="914377" rtl="0" eaLnBrk="1" latinLnBrk="0" hangingPunct="1">
+              <a:lnSpc>
+                <a:spcPct val="90000"/>
+              </a:lnSpc>
+              <a:spcBef>
+                <a:spcPts val="200"/>
+              </a:spcBef>
+              <a:spcAft>
+                <a:spcPts val="400"/>
+              </a:spcAft>
+              <a:buClr>
+                <a:schemeClr val="tx1"/>
+              </a:buClr>
+              <a:buSzPct val="80000"/>
+              <a:buFont typeface="Corbel" pitchFamily="34" charset="0"/>
+              <a:buNone/>
+              <a:defRPr sz="2000" kern="1200">
+                <a:solidFill>
+                  <a:schemeClr val="tx1"/>
+                </a:solidFill>
+                <a:latin typeface="+mn-lt"/>
+                <a:ea typeface="+mn-ea"/>
+                <a:cs typeface="+mn-cs"/>
+              </a:defRPr>
+            </a:lvl5pPr>
+            <a:lvl6pPr marL="2285943" indent="0" algn="ctr" defTabSz="914377" rtl="0" eaLnBrk="1" latinLnBrk="0" hangingPunct="1">
+              <a:lnSpc>
+                <a:spcPct val="90000"/>
+              </a:lnSpc>
+              <a:spcBef>
+                <a:spcPts val="200"/>
+              </a:spcBef>
+              <a:spcAft>
+                <a:spcPts val="400"/>
+              </a:spcAft>
+              <a:buClr>
+                <a:schemeClr val="tx1"/>
+              </a:buClr>
+              <a:buSzPct val="80000"/>
+              <a:buFont typeface="Corbel" pitchFamily="34" charset="0"/>
+              <a:buNone/>
+              <a:defRPr sz="2000" kern="1200">
+                <a:solidFill>
+                  <a:schemeClr val="tx1"/>
+                </a:solidFill>
+                <a:latin typeface="+mn-lt"/>
+                <a:ea typeface="+mn-ea"/>
+                <a:cs typeface="+mn-cs"/>
+              </a:defRPr>
+            </a:lvl6pPr>
+            <a:lvl7pPr marL="2743131" indent="0" algn="ctr" defTabSz="914377" rtl="0" eaLnBrk="1" latinLnBrk="0" hangingPunct="1">
+              <a:lnSpc>
+                <a:spcPct val="90000"/>
+              </a:lnSpc>
+              <a:spcBef>
+                <a:spcPts val="200"/>
+              </a:spcBef>
+              <a:spcAft>
+                <a:spcPts val="400"/>
+              </a:spcAft>
+              <a:buClr>
+                <a:schemeClr val="tx1"/>
+              </a:buClr>
+              <a:buSzPct val="80000"/>
+              <a:buFont typeface="Corbel" pitchFamily="34" charset="0"/>
+              <a:buNone/>
+              <a:defRPr sz="2000" kern="1200">
+                <a:solidFill>
+                  <a:schemeClr val="tx1"/>
+                </a:solidFill>
+                <a:latin typeface="+mn-lt"/>
+                <a:ea typeface="+mn-ea"/>
+                <a:cs typeface="+mn-cs"/>
+              </a:defRPr>
+            </a:lvl7pPr>
+            <a:lvl8pPr marL="3200320" indent="0" algn="ctr" defTabSz="914377" rtl="0" eaLnBrk="1" latinLnBrk="0" hangingPunct="1">
+              <a:lnSpc>
+                <a:spcPct val="90000"/>
+              </a:lnSpc>
+              <a:spcBef>
+                <a:spcPts val="200"/>
+              </a:spcBef>
+              <a:spcAft>
+                <a:spcPts val="400"/>
+              </a:spcAft>
+              <a:buClr>
+                <a:schemeClr val="tx1"/>
+              </a:buClr>
+              <a:buSzPct val="80000"/>
+              <a:buFont typeface="Corbel" pitchFamily="34" charset="0"/>
+              <a:buNone/>
+              <a:defRPr sz="2000" kern="1200">
+                <a:solidFill>
+                  <a:schemeClr val="tx1"/>
+                </a:solidFill>
+                <a:latin typeface="+mn-lt"/>
+                <a:ea typeface="+mn-ea"/>
+                <a:cs typeface="+mn-cs"/>
+              </a:defRPr>
+            </a:lvl8pPr>
+            <a:lvl9pPr marL="3657509" indent="0" algn="ctr" defTabSz="914377" rtl="0" eaLnBrk="1" latinLnBrk="0" hangingPunct="1">
+              <a:lnSpc>
+                <a:spcPct val="90000"/>
+              </a:lnSpc>
+              <a:spcBef>
+                <a:spcPts val="200"/>
+              </a:spcBef>
+              <a:spcAft>
+                <a:spcPts val="400"/>
+              </a:spcAft>
+              <a:buClr>
+                <a:schemeClr val="tx1"/>
+              </a:buClr>
+              <a:buSzPct val="80000"/>
+              <a:buFont typeface="Corbel" pitchFamily="34" charset="0"/>
+              <a:buNone/>
+              <a:defRPr sz="2000" kern="1200">
+                <a:solidFill>
+                  <a:schemeClr val="tx1"/>
+                </a:solidFill>
+                <a:latin typeface="+mn-lt"/>
+                <a:ea typeface="+mn-ea"/>
+                <a:cs typeface="+mn-cs"/>
+              </a:defRPr>
+            </a:lvl9pPr>
+          </a:lstStyle>
+          <a:p>
+            <a:pPr marL="45719"/>
+            <a:r>
+              <a:rPr lang="en-US" sz="5400" dirty="0">
+                <a:latin typeface="Candara" panose="020E0502030303020204" pitchFamily="34" charset="0"/>
+              </a:rPr>
+              <a:t>Pre</a:t>
+            </a:r>
+            <a:r>
+              <a:rPr lang="pt-BR" sz="5400" dirty="0" err="1">
+                <a:latin typeface="Candara" panose="020E0502030303020204" pitchFamily="34" charset="0"/>
+              </a:rPr>
+              <a:t>ço</a:t>
+            </a:r>
+            <a:r>
+              <a:rPr lang="pt-BR" sz="5400" dirty="0">
+                <a:latin typeface="Candara" panose="020E0502030303020204" pitchFamily="34" charset="0"/>
+              </a:rPr>
+              <a:t> de 1 </a:t>
+            </a:r>
+            <a:r>
+              <a:rPr lang="pt-BR" sz="5400" dirty="0" err="1">
+                <a:latin typeface="Candara" panose="020E0502030303020204" pitchFamily="34" charset="0"/>
+              </a:rPr>
+              <a:t>cafézinho</a:t>
+            </a:r>
+            <a:endParaRPr lang="pt-BR" sz="5400" dirty="0">
+              <a:latin typeface="Candara" panose="020E0502030303020204" pitchFamily="34" charset="0"/>
+            </a:endParaRPr>
+          </a:p>
+          <a:p>
+            <a:pPr marL="45719"/>
+            <a:endParaRPr lang="pt-BR" sz="5400" dirty="0">
+              <a:latin typeface="Candara" panose="020E0502030303020204" pitchFamily="34" charset="0"/>
+            </a:endParaRPr>
+          </a:p>
+          <a:p>
+            <a:pPr marL="45719"/>
+            <a:r>
+              <a:rPr lang="pt-BR" sz="5400" dirty="0">
+                <a:latin typeface="Candara" panose="020E0502030303020204" pitchFamily="34" charset="0"/>
+              </a:rPr>
+              <a:t>Mário = R$2,00</a:t>
+            </a:r>
+          </a:p>
+          <a:p>
+            <a:pPr marL="45719"/>
+            <a:endParaRPr lang="pt-BR" sz="5400" dirty="0">
+              <a:latin typeface="Candara" panose="020E0502030303020204" pitchFamily="34" charset="0"/>
+            </a:endParaRPr>
+          </a:p>
+          <a:p>
+            <a:pPr marL="45719"/>
+            <a:r>
+              <a:rPr lang="pt-BR" sz="5400" dirty="0">
+                <a:latin typeface="Candara" panose="020E0502030303020204" pitchFamily="34" charset="0"/>
+              </a:rPr>
+              <a:t>Custo café + açúcar ≈ R$0,35</a:t>
+            </a:r>
+          </a:p>
+        </p:txBody>
+      </p:sp>
     </p:spTree>
     <p:extLst>
       <p:ext uri="{BB962C8B-B14F-4D97-AF65-F5344CB8AC3E}">
@@ -4034,194 +4334,6 @@
           </a:extLst>
         </p:spPr>
       </p:pic>
-      <p:pic>
-        <p:nvPicPr>
-          <p:cNvPr id="1028" name="Picture 4" descr="Image result for coffee machine">
-            <a:extLst>
-              <a:ext uri="{FF2B5EF4-FFF2-40B4-BE49-F238E27FC236}">
-                <a16:creationId xmlns:a16="http://schemas.microsoft.com/office/drawing/2014/main" id="{A80E9513-5BC2-4847-92D8-E9F08D86D3E9}"/>
-              </a:ext>
-            </a:extLst>
-          </p:cNvPr>
-          <p:cNvPicPr>
-            <a:picLocks noChangeAspect="1" noChangeArrowheads="1"/>
-          </p:cNvPicPr>
-          <p:nvPr/>
-        </p:nvPicPr>
-        <p:blipFill>
-          <a:blip r:embed="rId3">
-            <a:extLst>
-              <a:ext uri="{28A0092B-C50C-407E-A947-70E740481C1C}">
-                <a14:useLocalDpi xmlns:a14="http://schemas.microsoft.com/office/drawing/2010/main" val="0"/>
-              </a:ext>
-            </a:extLst>
-          </a:blip>
-          <a:srcRect/>
-          <a:stretch>
-            <a:fillRect/>
-          </a:stretch>
-        </p:blipFill>
-        <p:spPr bwMode="auto">
-          <a:xfrm>
-            <a:off x="9377272" y="3944262"/>
-            <a:ext cx="1959782" cy="1959782"/>
-          </a:xfrm>
-          <a:prstGeom prst="rect">
-            <a:avLst/>
-          </a:prstGeom>
-          <a:noFill/>
-          <a:extLst>
-            <a:ext uri="{909E8E84-426E-40DD-AFC4-6F175D3DCCD1}">
-              <a14:hiddenFill xmlns:a14="http://schemas.microsoft.com/office/drawing/2010/main">
-                <a:solidFill>
-                  <a:srgbClr val="FFFFFF"/>
-                </a:solidFill>
-              </a14:hiddenFill>
-            </a:ext>
-          </a:extLst>
-        </p:spPr>
-      </p:pic>
-      <p:pic>
-        <p:nvPicPr>
-          <p:cNvPr id="1030" name="Picture 6" descr="Image result for coffee machine">
-            <a:extLst>
-              <a:ext uri="{FF2B5EF4-FFF2-40B4-BE49-F238E27FC236}">
-                <a16:creationId xmlns:a16="http://schemas.microsoft.com/office/drawing/2014/main" id="{FB42346E-438F-4728-8E76-E0E238BAA1C0}"/>
-              </a:ext>
-            </a:extLst>
-          </p:cNvPr>
-          <p:cNvPicPr>
-            <a:picLocks noChangeAspect="1" noChangeArrowheads="1"/>
-          </p:cNvPicPr>
-          <p:nvPr/>
-        </p:nvPicPr>
-        <p:blipFill>
-          <a:blip r:embed="rId4">
-            <a:extLst>
-              <a:ext uri="{28A0092B-C50C-407E-A947-70E740481C1C}">
-                <a14:useLocalDpi xmlns:a14="http://schemas.microsoft.com/office/drawing/2010/main" val="0"/>
-              </a:ext>
-            </a:extLst>
-          </a:blip>
-          <a:srcRect/>
-          <a:stretch>
-            <a:fillRect/>
-          </a:stretch>
-        </p:blipFill>
-        <p:spPr bwMode="auto">
-          <a:xfrm>
-            <a:off x="881784" y="4231181"/>
-            <a:ext cx="1755276" cy="1755276"/>
-          </a:xfrm>
-          <a:prstGeom prst="rect">
-            <a:avLst/>
-          </a:prstGeom>
-          <a:noFill/>
-          <a:extLst>
-            <a:ext uri="{909E8E84-426E-40DD-AFC4-6F175D3DCCD1}">
-              <a14:hiddenFill xmlns:a14="http://schemas.microsoft.com/office/drawing/2010/main">
-                <a:solidFill>
-                  <a:srgbClr val="FFFFFF"/>
-                </a:solidFill>
-              </a14:hiddenFill>
-            </a:ext>
-          </a:extLst>
-        </p:spPr>
-      </p:pic>
-      <p:pic>
-        <p:nvPicPr>
-          <p:cNvPr id="1034" name="Picture 10" descr="Image result for coffee machine">
-            <a:extLst>
-              <a:ext uri="{FF2B5EF4-FFF2-40B4-BE49-F238E27FC236}">
-                <a16:creationId xmlns:a16="http://schemas.microsoft.com/office/drawing/2014/main" id="{CCB4EA8F-589E-4809-A601-9196C20E0766}"/>
-              </a:ext>
-            </a:extLst>
-          </p:cNvPr>
-          <p:cNvPicPr>
-            <a:picLocks noChangeAspect="1" noChangeArrowheads="1"/>
-          </p:cNvPicPr>
-          <p:nvPr/>
-        </p:nvPicPr>
-        <p:blipFill>
-          <a:blip r:embed="rId5">
-            <a:extLst>
-              <a:ext uri="{28A0092B-C50C-407E-A947-70E740481C1C}">
-                <a14:useLocalDpi xmlns:a14="http://schemas.microsoft.com/office/drawing/2010/main" val="0"/>
-              </a:ext>
-            </a:extLst>
-          </a:blip>
-          <a:srcRect/>
-          <a:stretch>
-            <a:fillRect/>
-          </a:stretch>
-        </p:blipFill>
-        <p:spPr bwMode="auto">
-          <a:xfrm>
-            <a:off x="9454907" y="415010"/>
-            <a:ext cx="1925524" cy="1925524"/>
-          </a:xfrm>
-          <a:prstGeom prst="rect">
-            <a:avLst/>
-          </a:prstGeom>
-          <a:noFill/>
-          <a:extLst>
-            <a:ext uri="{909E8E84-426E-40DD-AFC4-6F175D3DCCD1}">
-              <a14:hiddenFill xmlns:a14="http://schemas.microsoft.com/office/drawing/2010/main">
-                <a:solidFill>
-                  <a:srgbClr val="FFFFFF"/>
-                </a:solidFill>
-              </a14:hiddenFill>
-            </a:ext>
-          </a:extLst>
-        </p:spPr>
-      </p:pic>
-      <p:pic>
-        <p:nvPicPr>
-          <p:cNvPr id="1036" name="Picture 12" descr="Image result for coffee machine">
-            <a:extLst>
-              <a:ext uri="{FF2B5EF4-FFF2-40B4-BE49-F238E27FC236}">
-                <a16:creationId xmlns:a16="http://schemas.microsoft.com/office/drawing/2014/main" id="{D2421FDC-153A-450B-A35F-D99FB5A51415}"/>
-              </a:ext>
-            </a:extLst>
-          </p:cNvPr>
-          <p:cNvPicPr>
-            <a:picLocks noChangeAspect="1" noChangeArrowheads="1"/>
-          </p:cNvPicPr>
-          <p:nvPr/>
-        </p:nvPicPr>
-        <p:blipFill>
-          <a:blip r:embed="rId6">
-            <a:extLst>
-              <a:ext uri="{28A0092B-C50C-407E-A947-70E740481C1C}">
-                <a14:useLocalDpi xmlns:a14="http://schemas.microsoft.com/office/drawing/2010/main" val="0"/>
-              </a:ext>
-            </a:extLst>
-          </a:blip>
-          <a:srcRect/>
-          <a:stretch>
-            <a:fillRect/>
-          </a:stretch>
-        </p:blipFill>
-        <p:spPr bwMode="auto">
-          <a:xfrm>
-            <a:off x="809328" y="530533"/>
-            <a:ext cx="1810001" cy="1810001"/>
-          </a:xfrm>
-          <a:prstGeom prst="rect">
-            <a:avLst/>
-          </a:prstGeom>
-          <a:noFill/>
-          <a:extLst>
-            <a:ext uri="{909E8E84-426E-40DD-AFC4-6F175D3DCCD1}">
-              <a14:hiddenFill xmlns:a14="http://schemas.microsoft.com/office/drawing/2010/main">
-                <a:solidFill>
-                  <a:srgbClr val="FFFFFF"/>
-                </a:solidFill>
-              </a14:hiddenFill>
-            </a:ext>
-          </a:extLst>
-        </p:spPr>
-      </p:pic>
       <p:sp>
         <p:nvSpPr>
           <p:cNvPr id="2" name="CaixaDeTexto 1">
@@ -4257,152 +4369,425 @@
           </a:p>
         </p:txBody>
       </p:sp>
-      <p:sp>
-        <p:nvSpPr>
-          <p:cNvPr id="10" name="CaixaDeTexto 9">
+      <p:grpSp>
+        <p:nvGrpSpPr>
+          <p:cNvPr id="17" name="Agrupar 16">
             <a:extLst>
               <a:ext uri="{FF2B5EF4-FFF2-40B4-BE49-F238E27FC236}">
-                <a16:creationId xmlns:a16="http://schemas.microsoft.com/office/drawing/2014/main" id="{813F9751-CBD0-47C5-AF71-8328CB41E9AD}"/>
+                <a16:creationId xmlns:a16="http://schemas.microsoft.com/office/drawing/2014/main" id="{634F464D-7AD3-49BB-92EF-988B31406E08}"/>
               </a:ext>
             </a:extLst>
           </p:cNvPr>
-          <p:cNvSpPr txBox="1"/>
+          <p:cNvGrpSpPr/>
           <p:nvPr/>
-        </p:nvSpPr>
-        <p:spPr>
+        </p:nvGrpSpPr>
+        <p:grpSpPr>
           <a:xfrm>
-            <a:off x="9377272" y="5904044"/>
-            <a:ext cx="1774845" cy="369332"/>
-          </a:xfrm>
-          <a:prstGeom prst="rect">
-            <a:avLst/>
-          </a:prstGeom>
-          <a:noFill/>
-        </p:spPr>
-        <p:txBody>
-          <a:bodyPr wrap="none" rtlCol="0">
-            <a:spAutoFit/>
-          </a:bodyPr>
-          <a:lstStyle/>
-          <a:p>
-            <a:r>
-              <a:rPr lang="pt-BR" b="1" dirty="0"/>
-              <a:t>Cafeteira da MK</a:t>
-            </a:r>
-          </a:p>
-        </p:txBody>
-      </p:sp>
-      <p:sp>
-        <p:nvSpPr>
-          <p:cNvPr id="12" name="CaixaDeTexto 11">
+            <a:off x="9223426" y="3944262"/>
+            <a:ext cx="2305439" cy="2421447"/>
+            <a:chOff x="9145791" y="3944262"/>
+            <a:chExt cx="2305439" cy="2421447"/>
+          </a:xfrm>
+        </p:grpSpPr>
+        <p:pic>
+          <p:nvPicPr>
+            <p:cNvPr id="1028" name="Picture 4" descr="Image result for coffee machine">
+              <a:extLst>
+                <a:ext uri="{FF2B5EF4-FFF2-40B4-BE49-F238E27FC236}">
+                  <a16:creationId xmlns:a16="http://schemas.microsoft.com/office/drawing/2014/main" id="{A80E9513-5BC2-4847-92D8-E9F08D86D3E9}"/>
+                </a:ext>
+              </a:extLst>
+            </p:cNvPr>
+            <p:cNvPicPr>
+              <a:picLocks noChangeAspect="1" noChangeArrowheads="1"/>
+            </p:cNvPicPr>
+            <p:nvPr/>
+          </p:nvPicPr>
+          <p:blipFill>
+            <a:blip r:embed="rId3">
+              <a:extLst>
+                <a:ext uri="{28A0092B-C50C-407E-A947-70E740481C1C}">
+                  <a14:useLocalDpi xmlns:a14="http://schemas.microsoft.com/office/drawing/2010/main" val="0"/>
+                </a:ext>
+              </a:extLst>
+            </a:blip>
+            <a:srcRect/>
+            <a:stretch>
+              <a:fillRect/>
+            </a:stretch>
+          </p:blipFill>
+          <p:spPr bwMode="auto">
+            <a:xfrm>
+              <a:off x="9377272" y="3944262"/>
+              <a:ext cx="1959782" cy="1959782"/>
+            </a:xfrm>
+            <a:prstGeom prst="rect">
+              <a:avLst/>
+            </a:prstGeom>
+            <a:noFill/>
+            <a:extLst>
+              <a:ext uri="{909E8E84-426E-40DD-AFC4-6F175D3DCCD1}">
+                <a14:hiddenFill xmlns:a14="http://schemas.microsoft.com/office/drawing/2010/main">
+                  <a:solidFill>
+                    <a:srgbClr val="FFFFFF"/>
+                  </a:solidFill>
+                </a14:hiddenFill>
+              </a:ext>
+            </a:extLst>
+          </p:spPr>
+        </p:pic>
+        <p:sp>
+          <p:nvSpPr>
+            <p:cNvPr id="10" name="CaixaDeTexto 9">
+              <a:extLst>
+                <a:ext uri="{FF2B5EF4-FFF2-40B4-BE49-F238E27FC236}">
+                  <a16:creationId xmlns:a16="http://schemas.microsoft.com/office/drawing/2014/main" id="{813F9751-CBD0-47C5-AF71-8328CB41E9AD}"/>
+                </a:ext>
+              </a:extLst>
+            </p:cNvPr>
+            <p:cNvSpPr txBox="1"/>
+            <p:nvPr/>
+          </p:nvSpPr>
+          <p:spPr>
+            <a:xfrm>
+              <a:off x="9145791" y="5904044"/>
+              <a:ext cx="2305439" cy="461665"/>
+            </a:xfrm>
+            <a:prstGeom prst="rect">
+              <a:avLst/>
+            </a:prstGeom>
+            <a:noFill/>
+          </p:spPr>
+          <p:txBody>
+            <a:bodyPr wrap="none" rtlCol="0">
+              <a:spAutoFit/>
+            </a:bodyPr>
+            <a:lstStyle/>
+            <a:p>
+              <a:r>
+                <a:rPr lang="pt-BR" sz="2400" b="1" dirty="0"/>
+                <a:t>Cafeteira da MK</a:t>
+              </a:r>
+            </a:p>
+          </p:txBody>
+        </p:sp>
+      </p:grpSp>
+      <p:grpSp>
+        <p:nvGrpSpPr>
+          <p:cNvPr id="19" name="Agrupar 18">
             <a:extLst>
               <a:ext uri="{FF2B5EF4-FFF2-40B4-BE49-F238E27FC236}">
-                <a16:creationId xmlns:a16="http://schemas.microsoft.com/office/drawing/2014/main" id="{8BF5E98C-5F5D-444D-BA63-52992D317120}"/>
+                <a16:creationId xmlns:a16="http://schemas.microsoft.com/office/drawing/2014/main" id="{5CB10D91-276F-4A9D-9A0C-2DD29044D6B0}"/>
               </a:ext>
             </a:extLst>
           </p:cNvPr>
-          <p:cNvSpPr txBox="1"/>
+          <p:cNvGrpSpPr/>
           <p:nvPr/>
-        </p:nvSpPr>
-        <p:spPr>
+        </p:nvGrpSpPr>
+        <p:grpSpPr>
           <a:xfrm>
-            <a:off x="9269584" y="2340534"/>
-            <a:ext cx="2180982" cy="369332"/>
-          </a:xfrm>
-          <a:prstGeom prst="rect">
-            <a:avLst/>
-          </a:prstGeom>
-          <a:noFill/>
-        </p:spPr>
-        <p:txBody>
-          <a:bodyPr wrap="none" rtlCol="0">
-            <a:spAutoFit/>
-          </a:bodyPr>
-          <a:lstStyle/>
-          <a:p>
-            <a:r>
-              <a:rPr lang="pt-BR" b="1" dirty="0"/>
-              <a:t>Cafeteira do CAASO</a:t>
-            </a:r>
-          </a:p>
-        </p:txBody>
-      </p:sp>
-      <p:sp>
-        <p:nvSpPr>
-          <p:cNvPr id="13" name="CaixaDeTexto 12">
+            <a:off x="8954539" y="415010"/>
+            <a:ext cx="2843214" cy="2496555"/>
+            <a:chOff x="8954539" y="415010"/>
+            <a:chExt cx="2843214" cy="2496555"/>
+          </a:xfrm>
+        </p:grpSpPr>
+        <p:pic>
+          <p:nvPicPr>
+            <p:cNvPr id="1034" name="Picture 10" descr="Image result for coffee machine">
+              <a:extLst>
+                <a:ext uri="{FF2B5EF4-FFF2-40B4-BE49-F238E27FC236}">
+                  <a16:creationId xmlns:a16="http://schemas.microsoft.com/office/drawing/2014/main" id="{CCB4EA8F-589E-4809-A601-9196C20E0766}"/>
+                </a:ext>
+              </a:extLst>
+            </p:cNvPr>
+            <p:cNvPicPr>
+              <a:picLocks noChangeAspect="1" noChangeArrowheads="1"/>
+            </p:cNvPicPr>
+            <p:nvPr/>
+          </p:nvPicPr>
+          <p:blipFill>
+            <a:blip r:embed="rId4">
+              <a:extLst>
+                <a:ext uri="{28A0092B-C50C-407E-A947-70E740481C1C}">
+                  <a14:useLocalDpi xmlns:a14="http://schemas.microsoft.com/office/drawing/2010/main" val="0"/>
+                </a:ext>
+              </a:extLst>
+            </a:blip>
+            <a:srcRect/>
+            <a:stretch>
+              <a:fillRect/>
+            </a:stretch>
+          </p:blipFill>
+          <p:spPr bwMode="auto">
+            <a:xfrm>
+              <a:off x="9454907" y="415010"/>
+              <a:ext cx="1925524" cy="1925524"/>
+            </a:xfrm>
+            <a:prstGeom prst="rect">
+              <a:avLst/>
+            </a:prstGeom>
+            <a:noFill/>
+            <a:extLst>
+              <a:ext uri="{909E8E84-426E-40DD-AFC4-6F175D3DCCD1}">
+                <a14:hiddenFill xmlns:a14="http://schemas.microsoft.com/office/drawing/2010/main">
+                  <a:solidFill>
+                    <a:srgbClr val="FFFFFF"/>
+                  </a:solidFill>
+                </a14:hiddenFill>
+              </a:ext>
+            </a:extLst>
+          </p:spPr>
+        </p:pic>
+        <p:sp>
+          <p:nvSpPr>
+            <p:cNvPr id="12" name="CaixaDeTexto 11">
+              <a:extLst>
+                <a:ext uri="{FF2B5EF4-FFF2-40B4-BE49-F238E27FC236}">
+                  <a16:creationId xmlns:a16="http://schemas.microsoft.com/office/drawing/2014/main" id="{8BF5E98C-5F5D-444D-BA63-52992D317120}"/>
+                </a:ext>
+              </a:extLst>
+            </p:cNvPr>
+            <p:cNvSpPr txBox="1"/>
+            <p:nvPr/>
+          </p:nvSpPr>
+          <p:spPr>
+            <a:xfrm>
+              <a:off x="8954539" y="2449900"/>
+              <a:ext cx="2843214" cy="461665"/>
+            </a:xfrm>
+            <a:prstGeom prst="rect">
+              <a:avLst/>
+            </a:prstGeom>
+            <a:noFill/>
+          </p:spPr>
+          <p:txBody>
+            <a:bodyPr wrap="none" rtlCol="0">
+              <a:spAutoFit/>
+            </a:bodyPr>
+            <a:lstStyle/>
+            <a:p>
+              <a:r>
+                <a:rPr lang="pt-BR" sz="2400" b="1" dirty="0"/>
+                <a:t>Cafeteira do CAASO</a:t>
+              </a:r>
+            </a:p>
+          </p:txBody>
+        </p:sp>
+      </p:grpSp>
+      <p:grpSp>
+        <p:nvGrpSpPr>
+          <p:cNvPr id="15" name="Agrupar 14">
             <a:extLst>
               <a:ext uri="{FF2B5EF4-FFF2-40B4-BE49-F238E27FC236}">
-                <a16:creationId xmlns:a16="http://schemas.microsoft.com/office/drawing/2014/main" id="{2D9385B4-43AE-4FAF-A52E-76F039E57DAF}"/>
+                <a16:creationId xmlns:a16="http://schemas.microsoft.com/office/drawing/2014/main" id="{4EBA22DE-D60F-475F-8738-9822531A7C62}"/>
               </a:ext>
             </a:extLst>
           </p:cNvPr>
-          <p:cNvSpPr txBox="1"/>
+          <p:cNvGrpSpPr/>
           <p:nvPr/>
-        </p:nvSpPr>
-        <p:spPr>
+        </p:nvGrpSpPr>
+        <p:grpSpPr>
           <a:xfrm>
-            <a:off x="728318" y="2357958"/>
-            <a:ext cx="1972015" cy="369332"/>
-          </a:xfrm>
-          <a:prstGeom prst="rect">
-            <a:avLst/>
-          </a:prstGeom>
-          <a:noFill/>
-        </p:spPr>
-        <p:txBody>
-          <a:bodyPr wrap="none" rtlCol="0">
-            <a:spAutoFit/>
-          </a:bodyPr>
-          <a:lstStyle/>
-          <a:p>
-            <a:r>
-              <a:rPr lang="pt-BR" b="1" dirty="0"/>
-              <a:t>Cafeteira do ICMC</a:t>
-            </a:r>
-          </a:p>
-        </p:txBody>
-      </p:sp>
-      <p:sp>
-        <p:nvSpPr>
-          <p:cNvPr id="14" name="CaixaDeTexto 13">
+            <a:off x="349426" y="513109"/>
+            <a:ext cx="2566729" cy="2270275"/>
+            <a:chOff x="529545" y="530533"/>
+            <a:chExt cx="2566729" cy="2270275"/>
+          </a:xfrm>
+        </p:grpSpPr>
+        <p:pic>
+          <p:nvPicPr>
+            <p:cNvPr id="1036" name="Picture 12" descr="Image result for coffee machine">
+              <a:extLst>
+                <a:ext uri="{FF2B5EF4-FFF2-40B4-BE49-F238E27FC236}">
+                  <a16:creationId xmlns:a16="http://schemas.microsoft.com/office/drawing/2014/main" id="{D2421FDC-153A-450B-A35F-D99FB5A51415}"/>
+                </a:ext>
+              </a:extLst>
+            </p:cNvPr>
+            <p:cNvPicPr>
+              <a:picLocks noChangeAspect="1" noChangeArrowheads="1"/>
+            </p:cNvPicPr>
+            <p:nvPr/>
+          </p:nvPicPr>
+          <p:blipFill>
+            <a:blip r:embed="rId5">
+              <a:extLst>
+                <a:ext uri="{28A0092B-C50C-407E-A947-70E740481C1C}">
+                  <a14:useLocalDpi xmlns:a14="http://schemas.microsoft.com/office/drawing/2010/main" val="0"/>
+                </a:ext>
+              </a:extLst>
+            </a:blip>
+            <a:srcRect/>
+            <a:stretch>
+              <a:fillRect/>
+            </a:stretch>
+          </p:blipFill>
+          <p:spPr bwMode="auto">
+            <a:xfrm>
+              <a:off x="809328" y="530533"/>
+              <a:ext cx="1810001" cy="1810001"/>
+            </a:xfrm>
+            <a:prstGeom prst="rect">
+              <a:avLst/>
+            </a:prstGeom>
+            <a:noFill/>
+            <a:extLst>
+              <a:ext uri="{909E8E84-426E-40DD-AFC4-6F175D3DCCD1}">
+                <a14:hiddenFill xmlns:a14="http://schemas.microsoft.com/office/drawing/2010/main">
+                  <a:solidFill>
+                    <a:srgbClr val="FFFFFF"/>
+                  </a:solidFill>
+                </a14:hiddenFill>
+              </a:ext>
+            </a:extLst>
+          </p:spPr>
+        </p:pic>
+        <p:sp>
+          <p:nvSpPr>
+            <p:cNvPr id="13" name="CaixaDeTexto 12">
+              <a:extLst>
+                <a:ext uri="{FF2B5EF4-FFF2-40B4-BE49-F238E27FC236}">
+                  <a16:creationId xmlns:a16="http://schemas.microsoft.com/office/drawing/2014/main" id="{2D9385B4-43AE-4FAF-A52E-76F039E57DAF}"/>
+                </a:ext>
+              </a:extLst>
+            </p:cNvPr>
+            <p:cNvSpPr txBox="1"/>
+            <p:nvPr/>
+          </p:nvSpPr>
+          <p:spPr>
+            <a:xfrm>
+              <a:off x="529545" y="2339143"/>
+              <a:ext cx="2566729" cy="461665"/>
+            </a:xfrm>
+            <a:prstGeom prst="rect">
+              <a:avLst/>
+            </a:prstGeom>
+            <a:noFill/>
+          </p:spPr>
+          <p:txBody>
+            <a:bodyPr wrap="none" rtlCol="0">
+              <a:spAutoFit/>
+            </a:bodyPr>
+            <a:lstStyle/>
+            <a:p>
+              <a:pPr algn="r"/>
+              <a:r>
+                <a:rPr lang="pt-BR" sz="2400" b="1" dirty="0"/>
+                <a:t>Cafeteira do ICMC</a:t>
+              </a:r>
+            </a:p>
+          </p:txBody>
+        </p:sp>
+      </p:grpSp>
+      <p:grpSp>
+        <p:nvGrpSpPr>
+          <p:cNvPr id="16" name="Agrupar 15">
             <a:extLst>
               <a:ext uri="{FF2B5EF4-FFF2-40B4-BE49-F238E27FC236}">
-                <a16:creationId xmlns:a16="http://schemas.microsoft.com/office/drawing/2014/main" id="{6061730D-8522-4E50-8C79-37695EDA6350}"/>
+                <a16:creationId xmlns:a16="http://schemas.microsoft.com/office/drawing/2014/main" id="{DE0F3A93-3602-4D4F-A77C-77B60BEAC9BF}"/>
               </a:ext>
             </a:extLst>
           </p:cNvPr>
-          <p:cNvSpPr txBox="1"/>
+          <p:cNvGrpSpPr/>
           <p:nvPr/>
-        </p:nvSpPr>
-        <p:spPr>
+        </p:nvGrpSpPr>
+        <p:grpSpPr>
           <a:xfrm>
-            <a:off x="801256" y="6064511"/>
-            <a:ext cx="1826141" cy="369332"/>
-          </a:xfrm>
-          <a:prstGeom prst="rect">
-            <a:avLst/>
-          </a:prstGeom>
-          <a:noFill/>
-        </p:spPr>
-        <p:txBody>
-          <a:bodyPr wrap="none" rtlCol="0">
-            <a:spAutoFit/>
-          </a:bodyPr>
-          <a:lstStyle/>
-          <a:p>
-            <a:r>
-              <a:rPr lang="pt-BR" b="1" dirty="0"/>
-              <a:t>Cafeteira do IAU</a:t>
-            </a:r>
-          </a:p>
-        </p:txBody>
-      </p:sp>
-      <p:sp>
-        <p:nvSpPr>
-          <p:cNvPr id="5" name="Seta: para a Direita 4">
+            <a:off x="349426" y="4273883"/>
+            <a:ext cx="2369559" cy="2265344"/>
+            <a:chOff x="558170" y="4231181"/>
+            <a:chExt cx="2369559" cy="2265344"/>
+          </a:xfrm>
+        </p:grpSpPr>
+        <p:pic>
+          <p:nvPicPr>
+            <p:cNvPr id="1030" name="Picture 6" descr="Image result for coffee machine">
+              <a:extLst>
+                <a:ext uri="{FF2B5EF4-FFF2-40B4-BE49-F238E27FC236}">
+                  <a16:creationId xmlns:a16="http://schemas.microsoft.com/office/drawing/2014/main" id="{FB42346E-438F-4728-8E76-E0E238BAA1C0}"/>
+                </a:ext>
+              </a:extLst>
+            </p:cNvPr>
+            <p:cNvPicPr>
+              <a:picLocks noChangeAspect="1" noChangeArrowheads="1"/>
+            </p:cNvPicPr>
+            <p:nvPr/>
+          </p:nvPicPr>
+          <p:blipFill>
+            <a:blip r:embed="rId6">
+              <a:extLst>
+                <a:ext uri="{28A0092B-C50C-407E-A947-70E740481C1C}">
+                  <a14:useLocalDpi xmlns:a14="http://schemas.microsoft.com/office/drawing/2010/main" val="0"/>
+                </a:ext>
+              </a:extLst>
+            </a:blip>
+            <a:srcRect/>
+            <a:stretch>
+              <a:fillRect/>
+            </a:stretch>
+          </p:blipFill>
+          <p:spPr bwMode="auto">
+            <a:xfrm>
+              <a:off x="881784" y="4231181"/>
+              <a:ext cx="1755276" cy="1755276"/>
+            </a:xfrm>
+            <a:prstGeom prst="rect">
+              <a:avLst/>
+            </a:prstGeom>
+            <a:noFill/>
+            <a:extLst>
+              <a:ext uri="{909E8E84-426E-40DD-AFC4-6F175D3DCCD1}">
+                <a14:hiddenFill xmlns:a14="http://schemas.microsoft.com/office/drawing/2010/main">
+                  <a:solidFill>
+                    <a:srgbClr val="FFFFFF"/>
+                  </a:solidFill>
+                </a14:hiddenFill>
+              </a:ext>
+            </a:extLst>
+          </p:spPr>
+        </p:pic>
+        <p:sp>
+          <p:nvSpPr>
+            <p:cNvPr id="14" name="CaixaDeTexto 13">
+              <a:extLst>
+                <a:ext uri="{FF2B5EF4-FFF2-40B4-BE49-F238E27FC236}">
+                  <a16:creationId xmlns:a16="http://schemas.microsoft.com/office/drawing/2014/main" id="{6061730D-8522-4E50-8C79-37695EDA6350}"/>
+                </a:ext>
+              </a:extLst>
+            </p:cNvPr>
+            <p:cNvSpPr txBox="1"/>
+            <p:nvPr/>
+          </p:nvSpPr>
+          <p:spPr>
+            <a:xfrm>
+              <a:off x="558170" y="6034860"/>
+              <a:ext cx="2369559" cy="461665"/>
+            </a:xfrm>
+            <a:prstGeom prst="rect">
+              <a:avLst/>
+            </a:prstGeom>
+            <a:noFill/>
+          </p:spPr>
+          <p:txBody>
+            <a:bodyPr wrap="none" rtlCol="0">
+              <a:spAutoFit/>
+            </a:bodyPr>
+            <a:lstStyle/>
+            <a:p>
+              <a:r>
+                <a:rPr lang="pt-BR" sz="2400" b="1" dirty="0"/>
+                <a:t>Cafeteira do IAU</a:t>
+              </a:r>
+            </a:p>
+          </p:txBody>
+        </p:sp>
+      </p:grpSp>
+      <p:sp>
+        <p:nvSpPr>
+          <p:cNvPr id="9" name="Seta: da Esquerda para a Direita 8">
             <a:extLst>
               <a:ext uri="{FF2B5EF4-FFF2-40B4-BE49-F238E27FC236}">
-                <a16:creationId xmlns:a16="http://schemas.microsoft.com/office/drawing/2014/main" id="{262455D2-9824-41F2-A0BD-939C5B890720}"/>
+                <a16:creationId xmlns:a16="http://schemas.microsoft.com/office/drawing/2014/main" id="{D118385F-CFE6-422D-BA9F-7A335B7E5787}"/>
               </a:ext>
             </a:extLst>
           </p:cNvPr>
@@ -4410,14 +4795,14 @@
           <p:nvPr/>
         </p:nvSpPr>
         <p:spPr>
-          <a:xfrm rot="1349017">
-            <a:off x="2740223" y="2076777"/>
-            <a:ext cx="1998473" cy="562362"/>
-          </a:xfrm>
-          <a:prstGeom prst="rightArrow">
+          <a:xfrm rot="21077161">
+            <a:off x="2398190" y="4440302"/>
+            <a:ext cx="2385272" cy="368489"/>
+          </a:xfrm>
+          <a:prstGeom prst="leftRightArrow">
             <a:avLst>
-              <a:gd name="adj1" fmla="val 35483"/>
-              <a:gd name="adj2" fmla="val 101774"/>
+              <a:gd name="adj1" fmla="val 26519"/>
+              <a:gd name="adj2" fmla="val 71524"/>
             </a:avLst>
           </a:prstGeom>
           <a:noFill/>
@@ -4450,16 +4835,16 @@
           <a:lstStyle/>
           <a:p>
             <a:pPr algn="ctr"/>
-            <a:endParaRPr lang="pt-BR" dirty="0"/>
-          </a:p>
-        </p:txBody>
-      </p:sp>
-      <p:sp>
-        <p:nvSpPr>
-          <p:cNvPr id="18" name="Seta: para a Direita 17">
+            <a:endParaRPr lang="pt-BR"/>
+          </a:p>
+        </p:txBody>
+      </p:sp>
+      <p:sp>
+        <p:nvSpPr>
+          <p:cNvPr id="22" name="Seta: da Esquerda para a Direita 21">
             <a:extLst>
               <a:ext uri="{FF2B5EF4-FFF2-40B4-BE49-F238E27FC236}">
-                <a16:creationId xmlns:a16="http://schemas.microsoft.com/office/drawing/2014/main" id="{BC04B930-A892-4617-874A-E16513DB543E}"/>
+                <a16:creationId xmlns:a16="http://schemas.microsoft.com/office/drawing/2014/main" id="{E25E8482-F0C0-4E34-BEFB-98C560E24917}"/>
               </a:ext>
             </a:extLst>
           </p:cNvPr>
@@ -4467,14 +4852,128 @@
           <p:nvPr/>
         </p:nvSpPr>
         <p:spPr>
-          <a:xfrm rot="20616490">
-            <a:off x="2837086" y="4612963"/>
-            <a:ext cx="1998473" cy="562362"/>
-          </a:xfrm>
-          <a:prstGeom prst="rightArrow">
+          <a:xfrm rot="757026">
+            <a:off x="2538810" y="2058662"/>
+            <a:ext cx="2224585" cy="368489"/>
+          </a:xfrm>
+          <a:prstGeom prst="leftRightArrow">
             <a:avLst>
-              <a:gd name="adj1" fmla="val 35483"/>
-              <a:gd name="adj2" fmla="val 101774"/>
+              <a:gd name="adj1" fmla="val 26519"/>
+              <a:gd name="adj2" fmla="val 71524"/>
+            </a:avLst>
+          </a:prstGeom>
+          <a:noFill/>
+          <a:ln w="9525" cap="flat" cmpd="sng" algn="ctr">
+            <a:solidFill>
+              <a:schemeClr val="dk1"/>
+            </a:solidFill>
+            <a:prstDash val="solid"/>
+            <a:round/>
+            <a:headEnd type="none" w="med" len="med"/>
+            <a:tailEnd type="none" w="med" len="med"/>
+          </a:ln>
+        </p:spPr>
+        <p:style>
+          <a:lnRef idx="0">
+            <a:scrgbClr r="0" g="0" b="0"/>
+          </a:lnRef>
+          <a:fillRef idx="0">
+            <a:scrgbClr r="0" g="0" b="0"/>
+          </a:fillRef>
+          <a:effectRef idx="0">
+            <a:scrgbClr r="0" g="0" b="0"/>
+          </a:effectRef>
+          <a:fontRef idx="minor">
+            <a:schemeClr val="dk1"/>
+          </a:fontRef>
+        </p:style>
+        <p:txBody>
+          <a:bodyPr rtlCol="0" anchor="ctr"/>
+          <a:lstStyle/>
+          <a:p>
+            <a:pPr algn="ctr"/>
+            <a:endParaRPr lang="pt-BR"/>
+          </a:p>
+        </p:txBody>
+      </p:sp>
+      <p:sp>
+        <p:nvSpPr>
+          <p:cNvPr id="27" name="Seta: da Esquerda para a Direita 26">
+            <a:extLst>
+              <a:ext uri="{FF2B5EF4-FFF2-40B4-BE49-F238E27FC236}">
+                <a16:creationId xmlns:a16="http://schemas.microsoft.com/office/drawing/2014/main" id="{CFD7CE1F-1600-4FAD-9882-7CC08A3936AD}"/>
+              </a:ext>
+            </a:extLst>
+          </p:cNvPr>
+          <p:cNvSpPr/>
+          <p:nvPr/>
+        </p:nvSpPr>
+        <p:spPr>
+          <a:xfrm rot="522839" flipV="1">
+            <a:off x="7290772" y="4561770"/>
+            <a:ext cx="2385272" cy="368489"/>
+          </a:xfrm>
+          <a:prstGeom prst="leftRightArrow">
+            <a:avLst>
+              <a:gd name="adj1" fmla="val 26519"/>
+              <a:gd name="adj2" fmla="val 71524"/>
+            </a:avLst>
+          </a:prstGeom>
+          <a:noFill/>
+          <a:ln w="9525" cap="flat" cmpd="sng" algn="ctr">
+            <a:solidFill>
+              <a:schemeClr val="dk1"/>
+            </a:solidFill>
+            <a:prstDash val="solid"/>
+            <a:round/>
+            <a:headEnd type="none" w="med" len="med"/>
+            <a:tailEnd type="none" w="med" len="med"/>
+          </a:ln>
+        </p:spPr>
+        <p:style>
+          <a:lnRef idx="0">
+            <a:scrgbClr r="0" g="0" b="0"/>
+          </a:lnRef>
+          <a:fillRef idx="0">
+            <a:scrgbClr r="0" g="0" b="0"/>
+          </a:fillRef>
+          <a:effectRef idx="0">
+            <a:scrgbClr r="0" g="0" b="0"/>
+          </a:effectRef>
+          <a:fontRef idx="minor">
+            <a:schemeClr val="dk1"/>
+          </a:fontRef>
+        </p:style>
+        <p:txBody>
+          <a:bodyPr rtlCol="0" anchor="ctr"/>
+          <a:lstStyle/>
+          <a:p>
+            <a:pPr algn="ctr"/>
+            <a:endParaRPr lang="pt-BR"/>
+          </a:p>
+        </p:txBody>
+      </p:sp>
+      <p:sp>
+        <p:nvSpPr>
+          <p:cNvPr id="28" name="Seta: da Esquerda para a Direita 27">
+            <a:extLst>
+              <a:ext uri="{FF2B5EF4-FFF2-40B4-BE49-F238E27FC236}">
+                <a16:creationId xmlns:a16="http://schemas.microsoft.com/office/drawing/2014/main" id="{7F8716B2-9F75-4381-8AFC-E1833808EE32}"/>
+              </a:ext>
+            </a:extLst>
+          </p:cNvPr>
+          <p:cNvSpPr/>
+          <p:nvPr/>
+        </p:nvSpPr>
+        <p:spPr>
+          <a:xfrm rot="20842974" flipV="1">
+            <a:off x="7248109" y="2038063"/>
+            <a:ext cx="2224585" cy="368489"/>
+          </a:xfrm>
+          <a:prstGeom prst="leftRightArrow">
+            <a:avLst>
+              <a:gd name="adj1" fmla="val 26519"/>
+              <a:gd name="adj2" fmla="val 71524"/>
             </a:avLst>
           </a:prstGeom>
           <a:noFill/>
@@ -4571,10 +5070,2934 @@
           </a:p>
         </p:txBody>
       </p:sp>
+      <p:pic>
+        <p:nvPicPr>
+          <p:cNvPr id="1026" name="Picture 2" descr="Image result for server">
+            <a:extLst>
+              <a:ext uri="{FF2B5EF4-FFF2-40B4-BE49-F238E27FC236}">
+                <a16:creationId xmlns:a16="http://schemas.microsoft.com/office/drawing/2014/main" id="{A1FC6699-F9DA-405C-A07E-00D33C9AC583}"/>
+              </a:ext>
+            </a:extLst>
+          </p:cNvPr>
+          <p:cNvPicPr>
+            <a:picLocks noChangeAspect="1" noChangeArrowheads="1"/>
+          </p:cNvPicPr>
+          <p:nvPr/>
+        </p:nvPicPr>
+        <p:blipFill>
+          <a:blip r:embed="rId2">
+            <a:extLst>
+              <a:ext uri="{28A0092B-C50C-407E-A947-70E740481C1C}">
+                <a14:useLocalDpi xmlns:a14="http://schemas.microsoft.com/office/drawing/2010/main" val="0"/>
+              </a:ext>
+            </a:extLst>
+          </a:blip>
+          <a:srcRect/>
+          <a:stretch>
+            <a:fillRect/>
+          </a:stretch>
+        </p:blipFill>
+        <p:spPr bwMode="auto">
+          <a:xfrm>
+            <a:off x="4963613" y="1972043"/>
+            <a:ext cx="2147009" cy="2876885"/>
+          </a:xfrm>
+          <a:prstGeom prst="rect">
+            <a:avLst/>
+          </a:prstGeom>
+          <a:noFill/>
+          <a:extLst>
+            <a:ext uri="{909E8E84-426E-40DD-AFC4-6F175D3DCCD1}">
+              <a14:hiddenFill xmlns:a14="http://schemas.microsoft.com/office/drawing/2010/main">
+                <a:solidFill>
+                  <a:srgbClr val="FFFFFF"/>
+                </a:solidFill>
+              </a14:hiddenFill>
+            </a:ext>
+          </a:extLst>
+        </p:spPr>
+      </p:pic>
+      <p:sp>
+        <p:nvSpPr>
+          <p:cNvPr id="2" name="CaixaDeTexto 1">
+            <a:extLst>
+              <a:ext uri="{FF2B5EF4-FFF2-40B4-BE49-F238E27FC236}">
+                <a16:creationId xmlns:a16="http://schemas.microsoft.com/office/drawing/2014/main" id="{2EF9669C-8F0D-4518-A3AF-B5D49320CD7A}"/>
+              </a:ext>
+            </a:extLst>
+          </p:cNvPr>
+          <p:cNvSpPr txBox="1"/>
+          <p:nvPr/>
+        </p:nvSpPr>
+        <p:spPr>
+          <a:xfrm>
+            <a:off x="5398160" y="4924153"/>
+            <a:ext cx="1277914" cy="369332"/>
+          </a:xfrm>
+          <a:prstGeom prst="rect">
+            <a:avLst/>
+          </a:prstGeom>
+          <a:noFill/>
+        </p:spPr>
+        <p:txBody>
+          <a:bodyPr wrap="none" rtlCol="0">
+            <a:spAutoFit/>
+          </a:bodyPr>
+          <a:lstStyle/>
+          <a:p>
+            <a:r>
+              <a:rPr lang="pt-BR" b="1" dirty="0"/>
+              <a:t>SERVIDOR</a:t>
+            </a:r>
+          </a:p>
+        </p:txBody>
+      </p:sp>
+      <p:grpSp>
+        <p:nvGrpSpPr>
+          <p:cNvPr id="17" name="Agrupar 16">
+            <a:extLst>
+              <a:ext uri="{FF2B5EF4-FFF2-40B4-BE49-F238E27FC236}">
+                <a16:creationId xmlns:a16="http://schemas.microsoft.com/office/drawing/2014/main" id="{634F464D-7AD3-49BB-92EF-988B31406E08}"/>
+              </a:ext>
+            </a:extLst>
+          </p:cNvPr>
+          <p:cNvGrpSpPr/>
+          <p:nvPr/>
+        </p:nvGrpSpPr>
+        <p:grpSpPr>
+          <a:xfrm>
+            <a:off x="9223426" y="3944262"/>
+            <a:ext cx="2305439" cy="2421447"/>
+            <a:chOff x="9145791" y="3944262"/>
+            <a:chExt cx="2305439" cy="2421447"/>
+          </a:xfrm>
+        </p:grpSpPr>
+        <p:pic>
+          <p:nvPicPr>
+            <p:cNvPr id="1028" name="Picture 4" descr="Image result for coffee machine">
+              <a:extLst>
+                <a:ext uri="{FF2B5EF4-FFF2-40B4-BE49-F238E27FC236}">
+                  <a16:creationId xmlns:a16="http://schemas.microsoft.com/office/drawing/2014/main" id="{A80E9513-5BC2-4847-92D8-E9F08D86D3E9}"/>
+                </a:ext>
+              </a:extLst>
+            </p:cNvPr>
+            <p:cNvPicPr>
+              <a:picLocks noChangeAspect="1" noChangeArrowheads="1"/>
+            </p:cNvPicPr>
+            <p:nvPr/>
+          </p:nvPicPr>
+          <p:blipFill>
+            <a:blip r:embed="rId3">
+              <a:extLst>
+                <a:ext uri="{28A0092B-C50C-407E-A947-70E740481C1C}">
+                  <a14:useLocalDpi xmlns:a14="http://schemas.microsoft.com/office/drawing/2010/main" val="0"/>
+                </a:ext>
+              </a:extLst>
+            </a:blip>
+            <a:srcRect/>
+            <a:stretch>
+              <a:fillRect/>
+            </a:stretch>
+          </p:blipFill>
+          <p:spPr bwMode="auto">
+            <a:xfrm>
+              <a:off x="9377272" y="3944262"/>
+              <a:ext cx="1959782" cy="1959782"/>
+            </a:xfrm>
+            <a:prstGeom prst="rect">
+              <a:avLst/>
+            </a:prstGeom>
+            <a:noFill/>
+            <a:extLst>
+              <a:ext uri="{909E8E84-426E-40DD-AFC4-6F175D3DCCD1}">
+                <a14:hiddenFill xmlns:a14="http://schemas.microsoft.com/office/drawing/2010/main">
+                  <a:solidFill>
+                    <a:srgbClr val="FFFFFF"/>
+                  </a:solidFill>
+                </a14:hiddenFill>
+              </a:ext>
+            </a:extLst>
+          </p:spPr>
+        </p:pic>
+        <p:sp>
+          <p:nvSpPr>
+            <p:cNvPr id="10" name="CaixaDeTexto 9">
+              <a:extLst>
+                <a:ext uri="{FF2B5EF4-FFF2-40B4-BE49-F238E27FC236}">
+                  <a16:creationId xmlns:a16="http://schemas.microsoft.com/office/drawing/2014/main" id="{813F9751-CBD0-47C5-AF71-8328CB41E9AD}"/>
+                </a:ext>
+              </a:extLst>
+            </p:cNvPr>
+            <p:cNvSpPr txBox="1"/>
+            <p:nvPr/>
+          </p:nvSpPr>
+          <p:spPr>
+            <a:xfrm>
+              <a:off x="9145791" y="5904044"/>
+              <a:ext cx="2305439" cy="461665"/>
+            </a:xfrm>
+            <a:prstGeom prst="rect">
+              <a:avLst/>
+            </a:prstGeom>
+            <a:noFill/>
+          </p:spPr>
+          <p:txBody>
+            <a:bodyPr wrap="none" rtlCol="0">
+              <a:spAutoFit/>
+            </a:bodyPr>
+            <a:lstStyle/>
+            <a:p>
+              <a:r>
+                <a:rPr lang="pt-BR" sz="2400" b="1" dirty="0"/>
+                <a:t>Cafeteira da MK</a:t>
+              </a:r>
+            </a:p>
+          </p:txBody>
+        </p:sp>
+      </p:grpSp>
+      <p:grpSp>
+        <p:nvGrpSpPr>
+          <p:cNvPr id="19" name="Agrupar 18">
+            <a:extLst>
+              <a:ext uri="{FF2B5EF4-FFF2-40B4-BE49-F238E27FC236}">
+                <a16:creationId xmlns:a16="http://schemas.microsoft.com/office/drawing/2014/main" id="{5CB10D91-276F-4A9D-9A0C-2DD29044D6B0}"/>
+              </a:ext>
+            </a:extLst>
+          </p:cNvPr>
+          <p:cNvGrpSpPr/>
+          <p:nvPr/>
+        </p:nvGrpSpPr>
+        <p:grpSpPr>
+          <a:xfrm>
+            <a:off x="8954539" y="415010"/>
+            <a:ext cx="2843214" cy="2496555"/>
+            <a:chOff x="8954539" y="415010"/>
+            <a:chExt cx="2843214" cy="2496555"/>
+          </a:xfrm>
+        </p:grpSpPr>
+        <p:pic>
+          <p:nvPicPr>
+            <p:cNvPr id="1034" name="Picture 10" descr="Image result for coffee machine">
+              <a:extLst>
+                <a:ext uri="{FF2B5EF4-FFF2-40B4-BE49-F238E27FC236}">
+                  <a16:creationId xmlns:a16="http://schemas.microsoft.com/office/drawing/2014/main" id="{CCB4EA8F-589E-4809-A601-9196C20E0766}"/>
+                </a:ext>
+              </a:extLst>
+            </p:cNvPr>
+            <p:cNvPicPr>
+              <a:picLocks noChangeAspect="1" noChangeArrowheads="1"/>
+            </p:cNvPicPr>
+            <p:nvPr/>
+          </p:nvPicPr>
+          <p:blipFill>
+            <a:blip r:embed="rId4">
+              <a:extLst>
+                <a:ext uri="{28A0092B-C50C-407E-A947-70E740481C1C}">
+                  <a14:useLocalDpi xmlns:a14="http://schemas.microsoft.com/office/drawing/2010/main" val="0"/>
+                </a:ext>
+              </a:extLst>
+            </a:blip>
+            <a:srcRect/>
+            <a:stretch>
+              <a:fillRect/>
+            </a:stretch>
+          </p:blipFill>
+          <p:spPr bwMode="auto">
+            <a:xfrm>
+              <a:off x="9454907" y="415010"/>
+              <a:ext cx="1925524" cy="1925524"/>
+            </a:xfrm>
+            <a:prstGeom prst="rect">
+              <a:avLst/>
+            </a:prstGeom>
+            <a:noFill/>
+            <a:extLst>
+              <a:ext uri="{909E8E84-426E-40DD-AFC4-6F175D3DCCD1}">
+                <a14:hiddenFill xmlns:a14="http://schemas.microsoft.com/office/drawing/2010/main">
+                  <a:solidFill>
+                    <a:srgbClr val="FFFFFF"/>
+                  </a:solidFill>
+                </a14:hiddenFill>
+              </a:ext>
+            </a:extLst>
+          </p:spPr>
+        </p:pic>
+        <p:sp>
+          <p:nvSpPr>
+            <p:cNvPr id="12" name="CaixaDeTexto 11">
+              <a:extLst>
+                <a:ext uri="{FF2B5EF4-FFF2-40B4-BE49-F238E27FC236}">
+                  <a16:creationId xmlns:a16="http://schemas.microsoft.com/office/drawing/2014/main" id="{8BF5E98C-5F5D-444D-BA63-52992D317120}"/>
+                </a:ext>
+              </a:extLst>
+            </p:cNvPr>
+            <p:cNvSpPr txBox="1"/>
+            <p:nvPr/>
+          </p:nvSpPr>
+          <p:spPr>
+            <a:xfrm>
+              <a:off x="8954539" y="2449900"/>
+              <a:ext cx="2843214" cy="461665"/>
+            </a:xfrm>
+            <a:prstGeom prst="rect">
+              <a:avLst/>
+            </a:prstGeom>
+            <a:noFill/>
+          </p:spPr>
+          <p:txBody>
+            <a:bodyPr wrap="none" rtlCol="0">
+              <a:spAutoFit/>
+            </a:bodyPr>
+            <a:lstStyle/>
+            <a:p>
+              <a:r>
+                <a:rPr lang="pt-BR" sz="2400" b="1" dirty="0"/>
+                <a:t>Cafeteira do CAASO</a:t>
+              </a:r>
+            </a:p>
+          </p:txBody>
+        </p:sp>
+      </p:grpSp>
+      <p:grpSp>
+        <p:nvGrpSpPr>
+          <p:cNvPr id="15" name="Agrupar 14">
+            <a:extLst>
+              <a:ext uri="{FF2B5EF4-FFF2-40B4-BE49-F238E27FC236}">
+                <a16:creationId xmlns:a16="http://schemas.microsoft.com/office/drawing/2014/main" id="{4EBA22DE-D60F-475F-8738-9822531A7C62}"/>
+              </a:ext>
+            </a:extLst>
+          </p:cNvPr>
+          <p:cNvGrpSpPr/>
+          <p:nvPr/>
+        </p:nvGrpSpPr>
+        <p:grpSpPr>
+          <a:xfrm>
+            <a:off x="349426" y="513109"/>
+            <a:ext cx="2566729" cy="2270275"/>
+            <a:chOff x="529545" y="530533"/>
+            <a:chExt cx="2566729" cy="2270275"/>
+          </a:xfrm>
+        </p:grpSpPr>
+        <p:pic>
+          <p:nvPicPr>
+            <p:cNvPr id="1036" name="Picture 12" descr="Image result for coffee machine">
+              <a:extLst>
+                <a:ext uri="{FF2B5EF4-FFF2-40B4-BE49-F238E27FC236}">
+                  <a16:creationId xmlns:a16="http://schemas.microsoft.com/office/drawing/2014/main" id="{D2421FDC-153A-450B-A35F-D99FB5A51415}"/>
+                </a:ext>
+              </a:extLst>
+            </p:cNvPr>
+            <p:cNvPicPr>
+              <a:picLocks noChangeAspect="1" noChangeArrowheads="1"/>
+            </p:cNvPicPr>
+            <p:nvPr/>
+          </p:nvPicPr>
+          <p:blipFill>
+            <a:blip r:embed="rId5">
+              <a:extLst>
+                <a:ext uri="{28A0092B-C50C-407E-A947-70E740481C1C}">
+                  <a14:useLocalDpi xmlns:a14="http://schemas.microsoft.com/office/drawing/2010/main" val="0"/>
+                </a:ext>
+              </a:extLst>
+            </a:blip>
+            <a:srcRect/>
+            <a:stretch>
+              <a:fillRect/>
+            </a:stretch>
+          </p:blipFill>
+          <p:spPr bwMode="auto">
+            <a:xfrm>
+              <a:off x="809328" y="530533"/>
+              <a:ext cx="1810001" cy="1810001"/>
+            </a:xfrm>
+            <a:prstGeom prst="rect">
+              <a:avLst/>
+            </a:prstGeom>
+            <a:noFill/>
+            <a:extLst>
+              <a:ext uri="{909E8E84-426E-40DD-AFC4-6F175D3DCCD1}">
+                <a14:hiddenFill xmlns:a14="http://schemas.microsoft.com/office/drawing/2010/main">
+                  <a:solidFill>
+                    <a:srgbClr val="FFFFFF"/>
+                  </a:solidFill>
+                </a14:hiddenFill>
+              </a:ext>
+            </a:extLst>
+          </p:spPr>
+        </p:pic>
+        <p:sp>
+          <p:nvSpPr>
+            <p:cNvPr id="13" name="CaixaDeTexto 12">
+              <a:extLst>
+                <a:ext uri="{FF2B5EF4-FFF2-40B4-BE49-F238E27FC236}">
+                  <a16:creationId xmlns:a16="http://schemas.microsoft.com/office/drawing/2014/main" id="{2D9385B4-43AE-4FAF-A52E-76F039E57DAF}"/>
+                </a:ext>
+              </a:extLst>
+            </p:cNvPr>
+            <p:cNvSpPr txBox="1"/>
+            <p:nvPr/>
+          </p:nvSpPr>
+          <p:spPr>
+            <a:xfrm>
+              <a:off x="529545" y="2339143"/>
+              <a:ext cx="2566729" cy="461665"/>
+            </a:xfrm>
+            <a:prstGeom prst="rect">
+              <a:avLst/>
+            </a:prstGeom>
+            <a:noFill/>
+          </p:spPr>
+          <p:txBody>
+            <a:bodyPr wrap="none" rtlCol="0">
+              <a:spAutoFit/>
+            </a:bodyPr>
+            <a:lstStyle/>
+            <a:p>
+              <a:pPr algn="r"/>
+              <a:r>
+                <a:rPr lang="pt-BR" sz="2400" b="1" dirty="0"/>
+                <a:t>Cafeteira do ICMC</a:t>
+              </a:r>
+            </a:p>
+          </p:txBody>
+        </p:sp>
+      </p:grpSp>
+      <p:grpSp>
+        <p:nvGrpSpPr>
+          <p:cNvPr id="16" name="Agrupar 15">
+            <a:extLst>
+              <a:ext uri="{FF2B5EF4-FFF2-40B4-BE49-F238E27FC236}">
+                <a16:creationId xmlns:a16="http://schemas.microsoft.com/office/drawing/2014/main" id="{DE0F3A93-3602-4D4F-A77C-77B60BEAC9BF}"/>
+              </a:ext>
+            </a:extLst>
+          </p:cNvPr>
+          <p:cNvGrpSpPr/>
+          <p:nvPr/>
+        </p:nvGrpSpPr>
+        <p:grpSpPr>
+          <a:xfrm>
+            <a:off x="349426" y="4273883"/>
+            <a:ext cx="2369559" cy="2265344"/>
+            <a:chOff x="558170" y="4231181"/>
+            <a:chExt cx="2369559" cy="2265344"/>
+          </a:xfrm>
+        </p:grpSpPr>
+        <p:pic>
+          <p:nvPicPr>
+            <p:cNvPr id="1030" name="Picture 6" descr="Image result for coffee machine">
+              <a:extLst>
+                <a:ext uri="{FF2B5EF4-FFF2-40B4-BE49-F238E27FC236}">
+                  <a16:creationId xmlns:a16="http://schemas.microsoft.com/office/drawing/2014/main" id="{FB42346E-438F-4728-8E76-E0E238BAA1C0}"/>
+                </a:ext>
+              </a:extLst>
+            </p:cNvPr>
+            <p:cNvPicPr>
+              <a:picLocks noChangeAspect="1" noChangeArrowheads="1"/>
+            </p:cNvPicPr>
+            <p:nvPr/>
+          </p:nvPicPr>
+          <p:blipFill>
+            <a:blip r:embed="rId6">
+              <a:extLst>
+                <a:ext uri="{28A0092B-C50C-407E-A947-70E740481C1C}">
+                  <a14:useLocalDpi xmlns:a14="http://schemas.microsoft.com/office/drawing/2010/main" val="0"/>
+                </a:ext>
+              </a:extLst>
+            </a:blip>
+            <a:srcRect/>
+            <a:stretch>
+              <a:fillRect/>
+            </a:stretch>
+          </p:blipFill>
+          <p:spPr bwMode="auto">
+            <a:xfrm>
+              <a:off x="881784" y="4231181"/>
+              <a:ext cx="1755276" cy="1755276"/>
+            </a:xfrm>
+            <a:prstGeom prst="rect">
+              <a:avLst/>
+            </a:prstGeom>
+            <a:noFill/>
+            <a:extLst>
+              <a:ext uri="{909E8E84-426E-40DD-AFC4-6F175D3DCCD1}">
+                <a14:hiddenFill xmlns:a14="http://schemas.microsoft.com/office/drawing/2010/main">
+                  <a:solidFill>
+                    <a:srgbClr val="FFFFFF"/>
+                  </a:solidFill>
+                </a14:hiddenFill>
+              </a:ext>
+            </a:extLst>
+          </p:spPr>
+        </p:pic>
+        <p:sp>
+          <p:nvSpPr>
+            <p:cNvPr id="14" name="CaixaDeTexto 13">
+              <a:extLst>
+                <a:ext uri="{FF2B5EF4-FFF2-40B4-BE49-F238E27FC236}">
+                  <a16:creationId xmlns:a16="http://schemas.microsoft.com/office/drawing/2014/main" id="{6061730D-8522-4E50-8C79-37695EDA6350}"/>
+                </a:ext>
+              </a:extLst>
+            </p:cNvPr>
+            <p:cNvSpPr txBox="1"/>
+            <p:nvPr/>
+          </p:nvSpPr>
+          <p:spPr>
+            <a:xfrm>
+              <a:off x="558170" y="6034860"/>
+              <a:ext cx="2369559" cy="461665"/>
+            </a:xfrm>
+            <a:prstGeom prst="rect">
+              <a:avLst/>
+            </a:prstGeom>
+            <a:noFill/>
+          </p:spPr>
+          <p:txBody>
+            <a:bodyPr wrap="none" rtlCol="0">
+              <a:spAutoFit/>
+            </a:bodyPr>
+            <a:lstStyle/>
+            <a:p>
+              <a:r>
+                <a:rPr lang="pt-BR" sz="2400" b="1" dirty="0"/>
+                <a:t>Cafeteira do IAU</a:t>
+              </a:r>
+            </a:p>
+          </p:txBody>
+        </p:sp>
+      </p:grpSp>
+      <p:sp>
+        <p:nvSpPr>
+          <p:cNvPr id="3" name="Elipse 2">
+            <a:extLst>
+              <a:ext uri="{FF2B5EF4-FFF2-40B4-BE49-F238E27FC236}">
+                <a16:creationId xmlns:a16="http://schemas.microsoft.com/office/drawing/2014/main" id="{B73CA0B4-B58C-49B1-8C5B-564A92928632}"/>
+              </a:ext>
+            </a:extLst>
+          </p:cNvPr>
+          <p:cNvSpPr/>
+          <p:nvPr/>
+        </p:nvSpPr>
+        <p:spPr>
+          <a:xfrm>
+            <a:off x="4588491" y="2023972"/>
+            <a:ext cx="962647" cy="981273"/>
+          </a:xfrm>
+          <a:prstGeom prst="ellipse">
+            <a:avLst/>
+          </a:prstGeom>
+          <a:gradFill flip="none" rotWithShape="1">
+            <a:gsLst>
+              <a:gs pos="0">
+                <a:schemeClr val="accent3">
+                  <a:lumMod val="67000"/>
+                </a:schemeClr>
+              </a:gs>
+              <a:gs pos="48000">
+                <a:schemeClr val="accent3">
+                  <a:lumMod val="97000"/>
+                  <a:lumOff val="3000"/>
+                </a:schemeClr>
+              </a:gs>
+              <a:gs pos="100000">
+                <a:schemeClr val="accent3">
+                  <a:lumMod val="60000"/>
+                  <a:lumOff val="40000"/>
+                </a:schemeClr>
+              </a:gs>
+            </a:gsLst>
+            <a:lin ang="16200000" scaled="1"/>
+            <a:tileRect/>
+          </a:gradFill>
+          <a:ln>
+            <a:noFill/>
+          </a:ln>
+          <a:effectLst>
+            <a:outerShdw blurRad="44450" dist="27940" dir="5400000" algn="ctr">
+              <a:srgbClr val="000000">
+                <a:alpha val="32000"/>
+              </a:srgbClr>
+            </a:outerShdw>
+          </a:effectLst>
+          <a:scene3d>
+            <a:camera prst="orthographicFront">
+              <a:rot lat="0" lon="0" rev="0"/>
+            </a:camera>
+            <a:lightRig rig="balanced" dir="t">
+              <a:rot lat="0" lon="0" rev="8700000"/>
+            </a:lightRig>
+          </a:scene3d>
+          <a:sp3d>
+            <a:bevelT w="190500" h="38100"/>
+          </a:sp3d>
+        </p:spPr>
+        <p:style>
+          <a:lnRef idx="0">
+            <a:scrgbClr r="0" g="0" b="0"/>
+          </a:lnRef>
+          <a:fillRef idx="0">
+            <a:scrgbClr r="0" g="0" b="0"/>
+          </a:fillRef>
+          <a:effectRef idx="0">
+            <a:scrgbClr r="0" g="0" b="0"/>
+          </a:effectRef>
+          <a:fontRef idx="minor">
+            <a:schemeClr val="lt1"/>
+          </a:fontRef>
+        </p:style>
+        <p:txBody>
+          <a:bodyPr rtlCol="0" anchor="ctr"/>
+          <a:lstStyle/>
+          <a:p>
+            <a:pPr algn="ctr"/>
+            <a:endParaRPr lang="pt-BR"/>
+          </a:p>
+        </p:txBody>
+      </p:sp>
+      <p:sp>
+        <p:nvSpPr>
+          <p:cNvPr id="23" name="Elipse 22">
+            <a:extLst>
+              <a:ext uri="{FF2B5EF4-FFF2-40B4-BE49-F238E27FC236}">
+                <a16:creationId xmlns:a16="http://schemas.microsoft.com/office/drawing/2014/main" id="{54D53B35-EB3F-4F4D-8DC2-13CB485924A8}"/>
+              </a:ext>
+            </a:extLst>
+          </p:cNvPr>
+          <p:cNvSpPr/>
+          <p:nvPr/>
+        </p:nvSpPr>
+        <p:spPr>
+          <a:xfrm>
+            <a:off x="4589480" y="3854941"/>
+            <a:ext cx="962647" cy="981273"/>
+          </a:xfrm>
+          <a:prstGeom prst="ellipse">
+            <a:avLst/>
+          </a:prstGeom>
+          <a:gradFill flip="none" rotWithShape="1">
+            <a:gsLst>
+              <a:gs pos="0">
+                <a:schemeClr val="accent3">
+                  <a:lumMod val="67000"/>
+                </a:schemeClr>
+              </a:gs>
+              <a:gs pos="48000">
+                <a:schemeClr val="accent3">
+                  <a:lumMod val="97000"/>
+                  <a:lumOff val="3000"/>
+                </a:schemeClr>
+              </a:gs>
+              <a:gs pos="100000">
+                <a:schemeClr val="accent3">
+                  <a:lumMod val="60000"/>
+                  <a:lumOff val="40000"/>
+                </a:schemeClr>
+              </a:gs>
+            </a:gsLst>
+            <a:lin ang="16200000" scaled="1"/>
+            <a:tileRect/>
+          </a:gradFill>
+          <a:ln>
+            <a:noFill/>
+          </a:ln>
+          <a:effectLst>
+            <a:outerShdw blurRad="44450" dist="27940" dir="5400000" algn="ctr">
+              <a:srgbClr val="000000">
+                <a:alpha val="32000"/>
+              </a:srgbClr>
+            </a:outerShdw>
+          </a:effectLst>
+          <a:scene3d>
+            <a:camera prst="orthographicFront">
+              <a:rot lat="0" lon="0" rev="0"/>
+            </a:camera>
+            <a:lightRig rig="balanced" dir="t">
+              <a:rot lat="0" lon="0" rev="8700000"/>
+            </a:lightRig>
+          </a:scene3d>
+          <a:sp3d>
+            <a:bevelT w="190500" h="38100"/>
+          </a:sp3d>
+        </p:spPr>
+        <p:style>
+          <a:lnRef idx="0">
+            <a:scrgbClr r="0" g="0" b="0"/>
+          </a:lnRef>
+          <a:fillRef idx="0">
+            <a:scrgbClr r="0" g="0" b="0"/>
+          </a:fillRef>
+          <a:effectRef idx="0">
+            <a:scrgbClr r="0" g="0" b="0"/>
+          </a:effectRef>
+          <a:fontRef idx="minor">
+            <a:schemeClr val="lt1"/>
+          </a:fontRef>
+        </p:style>
+        <p:txBody>
+          <a:bodyPr rtlCol="0" anchor="ctr"/>
+          <a:lstStyle/>
+          <a:p>
+            <a:pPr algn="ctr"/>
+            <a:endParaRPr lang="pt-BR"/>
+          </a:p>
+        </p:txBody>
+      </p:sp>
+      <p:sp>
+        <p:nvSpPr>
+          <p:cNvPr id="24" name="Elipse 23">
+            <a:extLst>
+              <a:ext uri="{FF2B5EF4-FFF2-40B4-BE49-F238E27FC236}">
+                <a16:creationId xmlns:a16="http://schemas.microsoft.com/office/drawing/2014/main" id="{93ECD9A8-3683-46A2-A47F-DA8502D84FFA}"/>
+              </a:ext>
+            </a:extLst>
+          </p:cNvPr>
+          <p:cNvSpPr/>
+          <p:nvPr/>
+        </p:nvSpPr>
+        <p:spPr>
+          <a:xfrm>
+            <a:off x="6554744" y="3944262"/>
+            <a:ext cx="962647" cy="981273"/>
+          </a:xfrm>
+          <a:prstGeom prst="ellipse">
+            <a:avLst/>
+          </a:prstGeom>
+          <a:gradFill flip="none" rotWithShape="1">
+            <a:gsLst>
+              <a:gs pos="0">
+                <a:schemeClr val="accent3">
+                  <a:lumMod val="67000"/>
+                </a:schemeClr>
+              </a:gs>
+              <a:gs pos="48000">
+                <a:schemeClr val="accent3">
+                  <a:lumMod val="97000"/>
+                  <a:lumOff val="3000"/>
+                </a:schemeClr>
+              </a:gs>
+              <a:gs pos="100000">
+                <a:schemeClr val="accent3">
+                  <a:lumMod val="60000"/>
+                  <a:lumOff val="40000"/>
+                </a:schemeClr>
+              </a:gs>
+            </a:gsLst>
+            <a:lin ang="16200000" scaled="1"/>
+            <a:tileRect/>
+          </a:gradFill>
+          <a:ln>
+            <a:noFill/>
+          </a:ln>
+          <a:effectLst>
+            <a:outerShdw blurRad="44450" dist="27940" dir="5400000" algn="ctr">
+              <a:srgbClr val="000000">
+                <a:alpha val="32000"/>
+              </a:srgbClr>
+            </a:outerShdw>
+          </a:effectLst>
+          <a:scene3d>
+            <a:camera prst="orthographicFront">
+              <a:rot lat="0" lon="0" rev="0"/>
+            </a:camera>
+            <a:lightRig rig="balanced" dir="t">
+              <a:rot lat="0" lon="0" rev="8700000"/>
+            </a:lightRig>
+          </a:scene3d>
+          <a:sp3d>
+            <a:bevelT w="190500" h="38100"/>
+          </a:sp3d>
+        </p:spPr>
+        <p:style>
+          <a:lnRef idx="0">
+            <a:scrgbClr r="0" g="0" b="0"/>
+          </a:lnRef>
+          <a:fillRef idx="0">
+            <a:scrgbClr r="0" g="0" b="0"/>
+          </a:fillRef>
+          <a:effectRef idx="0">
+            <a:scrgbClr r="0" g="0" b="0"/>
+          </a:effectRef>
+          <a:fontRef idx="minor">
+            <a:schemeClr val="lt1"/>
+          </a:fontRef>
+        </p:style>
+        <p:txBody>
+          <a:bodyPr rtlCol="0" anchor="ctr"/>
+          <a:lstStyle/>
+          <a:p>
+            <a:pPr algn="ctr"/>
+            <a:endParaRPr lang="pt-BR"/>
+          </a:p>
+        </p:txBody>
+      </p:sp>
+      <p:sp>
+        <p:nvSpPr>
+          <p:cNvPr id="25" name="Elipse 24">
+            <a:extLst>
+              <a:ext uri="{FF2B5EF4-FFF2-40B4-BE49-F238E27FC236}">
+                <a16:creationId xmlns:a16="http://schemas.microsoft.com/office/drawing/2014/main" id="{DB803BC8-E80A-4ADA-A333-A8AF2A85121E}"/>
+              </a:ext>
+            </a:extLst>
+          </p:cNvPr>
+          <p:cNvSpPr/>
+          <p:nvPr/>
+        </p:nvSpPr>
+        <p:spPr>
+          <a:xfrm>
+            <a:off x="6488090" y="2022252"/>
+            <a:ext cx="962647" cy="981273"/>
+          </a:xfrm>
+          <a:prstGeom prst="ellipse">
+            <a:avLst/>
+          </a:prstGeom>
+          <a:gradFill flip="none" rotWithShape="1">
+            <a:gsLst>
+              <a:gs pos="0">
+                <a:schemeClr val="accent3">
+                  <a:lumMod val="67000"/>
+                </a:schemeClr>
+              </a:gs>
+              <a:gs pos="48000">
+                <a:schemeClr val="accent3">
+                  <a:lumMod val="97000"/>
+                  <a:lumOff val="3000"/>
+                </a:schemeClr>
+              </a:gs>
+              <a:gs pos="100000">
+                <a:schemeClr val="accent3">
+                  <a:lumMod val="60000"/>
+                  <a:lumOff val="40000"/>
+                </a:schemeClr>
+              </a:gs>
+            </a:gsLst>
+            <a:lin ang="16200000" scaled="1"/>
+            <a:tileRect/>
+          </a:gradFill>
+          <a:ln>
+            <a:noFill/>
+          </a:ln>
+          <a:effectLst>
+            <a:outerShdw blurRad="44450" dist="27940" dir="5400000" algn="ctr">
+              <a:srgbClr val="000000">
+                <a:alpha val="32000"/>
+              </a:srgbClr>
+            </a:outerShdw>
+          </a:effectLst>
+          <a:scene3d>
+            <a:camera prst="orthographicFront">
+              <a:rot lat="0" lon="0" rev="0"/>
+            </a:camera>
+            <a:lightRig rig="balanced" dir="t">
+              <a:rot lat="0" lon="0" rev="8700000"/>
+            </a:lightRig>
+          </a:scene3d>
+          <a:sp3d>
+            <a:bevelT w="190500" h="38100"/>
+          </a:sp3d>
+        </p:spPr>
+        <p:style>
+          <a:lnRef idx="0">
+            <a:scrgbClr r="0" g="0" b="0"/>
+          </a:lnRef>
+          <a:fillRef idx="0">
+            <a:scrgbClr r="0" g="0" b="0"/>
+          </a:fillRef>
+          <a:effectRef idx="0">
+            <a:scrgbClr r="0" g="0" b="0"/>
+          </a:effectRef>
+          <a:fontRef idx="minor">
+            <a:schemeClr val="lt1"/>
+          </a:fontRef>
+        </p:style>
+        <p:txBody>
+          <a:bodyPr rtlCol="0" anchor="ctr"/>
+          <a:lstStyle/>
+          <a:p>
+            <a:pPr algn="ctr"/>
+            <a:endParaRPr lang="pt-BR"/>
+          </a:p>
+        </p:txBody>
+      </p:sp>
+      <p:sp>
+        <p:nvSpPr>
+          <p:cNvPr id="9" name="Seta: da Esquerda para a Direita 8">
+            <a:extLst>
+              <a:ext uri="{FF2B5EF4-FFF2-40B4-BE49-F238E27FC236}">
+                <a16:creationId xmlns:a16="http://schemas.microsoft.com/office/drawing/2014/main" id="{D118385F-CFE6-422D-BA9F-7A335B7E5787}"/>
+              </a:ext>
+            </a:extLst>
+          </p:cNvPr>
+          <p:cNvSpPr/>
+          <p:nvPr/>
+        </p:nvSpPr>
+        <p:spPr>
+          <a:xfrm rot="21077161">
+            <a:off x="2398190" y="4440302"/>
+            <a:ext cx="2385272" cy="368489"/>
+          </a:xfrm>
+          <a:prstGeom prst="leftRightArrow">
+            <a:avLst>
+              <a:gd name="adj1" fmla="val 26519"/>
+              <a:gd name="adj2" fmla="val 71524"/>
+            </a:avLst>
+          </a:prstGeom>
+          <a:noFill/>
+          <a:ln w="9525" cap="flat" cmpd="sng" algn="ctr">
+            <a:solidFill>
+              <a:schemeClr val="dk1"/>
+            </a:solidFill>
+            <a:prstDash val="solid"/>
+            <a:round/>
+            <a:headEnd type="none" w="med" len="med"/>
+            <a:tailEnd type="none" w="med" len="med"/>
+          </a:ln>
+        </p:spPr>
+        <p:style>
+          <a:lnRef idx="0">
+            <a:scrgbClr r="0" g="0" b="0"/>
+          </a:lnRef>
+          <a:fillRef idx="0">
+            <a:scrgbClr r="0" g="0" b="0"/>
+          </a:fillRef>
+          <a:effectRef idx="0">
+            <a:scrgbClr r="0" g="0" b="0"/>
+          </a:effectRef>
+          <a:fontRef idx="minor">
+            <a:schemeClr val="dk1"/>
+          </a:fontRef>
+        </p:style>
+        <p:txBody>
+          <a:bodyPr rtlCol="0" anchor="ctr"/>
+          <a:lstStyle/>
+          <a:p>
+            <a:pPr algn="ctr"/>
+            <a:endParaRPr lang="pt-BR"/>
+          </a:p>
+        </p:txBody>
+      </p:sp>
+      <p:sp>
+        <p:nvSpPr>
+          <p:cNvPr id="22" name="Seta: da Esquerda para a Direita 21">
+            <a:extLst>
+              <a:ext uri="{FF2B5EF4-FFF2-40B4-BE49-F238E27FC236}">
+                <a16:creationId xmlns:a16="http://schemas.microsoft.com/office/drawing/2014/main" id="{E25E8482-F0C0-4E34-BEFB-98C560E24917}"/>
+              </a:ext>
+            </a:extLst>
+          </p:cNvPr>
+          <p:cNvSpPr/>
+          <p:nvPr/>
+        </p:nvSpPr>
+        <p:spPr>
+          <a:xfrm rot="757026">
+            <a:off x="2538810" y="2058662"/>
+            <a:ext cx="2224585" cy="368489"/>
+          </a:xfrm>
+          <a:prstGeom prst="leftRightArrow">
+            <a:avLst>
+              <a:gd name="adj1" fmla="val 26519"/>
+              <a:gd name="adj2" fmla="val 71524"/>
+            </a:avLst>
+          </a:prstGeom>
+          <a:noFill/>
+          <a:ln w="9525" cap="flat" cmpd="sng" algn="ctr">
+            <a:solidFill>
+              <a:schemeClr val="dk1"/>
+            </a:solidFill>
+            <a:prstDash val="solid"/>
+            <a:round/>
+            <a:headEnd type="none" w="med" len="med"/>
+            <a:tailEnd type="none" w="med" len="med"/>
+          </a:ln>
+        </p:spPr>
+        <p:style>
+          <a:lnRef idx="0">
+            <a:scrgbClr r="0" g="0" b="0"/>
+          </a:lnRef>
+          <a:fillRef idx="0">
+            <a:scrgbClr r="0" g="0" b="0"/>
+          </a:fillRef>
+          <a:effectRef idx="0">
+            <a:scrgbClr r="0" g="0" b="0"/>
+          </a:effectRef>
+          <a:fontRef idx="minor">
+            <a:schemeClr val="dk1"/>
+          </a:fontRef>
+        </p:style>
+        <p:txBody>
+          <a:bodyPr rtlCol="0" anchor="ctr"/>
+          <a:lstStyle/>
+          <a:p>
+            <a:pPr algn="ctr"/>
+            <a:endParaRPr lang="pt-BR"/>
+          </a:p>
+        </p:txBody>
+      </p:sp>
+      <p:sp>
+        <p:nvSpPr>
+          <p:cNvPr id="27" name="Seta: da Esquerda para a Direita 26">
+            <a:extLst>
+              <a:ext uri="{FF2B5EF4-FFF2-40B4-BE49-F238E27FC236}">
+                <a16:creationId xmlns:a16="http://schemas.microsoft.com/office/drawing/2014/main" id="{CFD7CE1F-1600-4FAD-9882-7CC08A3936AD}"/>
+              </a:ext>
+            </a:extLst>
+          </p:cNvPr>
+          <p:cNvSpPr/>
+          <p:nvPr/>
+        </p:nvSpPr>
+        <p:spPr>
+          <a:xfrm rot="522839" flipV="1">
+            <a:off x="7290772" y="4561770"/>
+            <a:ext cx="2385272" cy="368489"/>
+          </a:xfrm>
+          <a:prstGeom prst="leftRightArrow">
+            <a:avLst>
+              <a:gd name="adj1" fmla="val 26519"/>
+              <a:gd name="adj2" fmla="val 71524"/>
+            </a:avLst>
+          </a:prstGeom>
+          <a:noFill/>
+          <a:ln w="9525" cap="flat" cmpd="sng" algn="ctr">
+            <a:solidFill>
+              <a:schemeClr val="dk1"/>
+            </a:solidFill>
+            <a:prstDash val="solid"/>
+            <a:round/>
+            <a:headEnd type="none" w="med" len="med"/>
+            <a:tailEnd type="none" w="med" len="med"/>
+          </a:ln>
+        </p:spPr>
+        <p:style>
+          <a:lnRef idx="0">
+            <a:scrgbClr r="0" g="0" b="0"/>
+          </a:lnRef>
+          <a:fillRef idx="0">
+            <a:scrgbClr r="0" g="0" b="0"/>
+          </a:fillRef>
+          <a:effectRef idx="0">
+            <a:scrgbClr r="0" g="0" b="0"/>
+          </a:effectRef>
+          <a:fontRef idx="minor">
+            <a:schemeClr val="dk1"/>
+          </a:fontRef>
+        </p:style>
+        <p:txBody>
+          <a:bodyPr rtlCol="0" anchor="ctr"/>
+          <a:lstStyle/>
+          <a:p>
+            <a:pPr algn="ctr"/>
+            <a:endParaRPr lang="pt-BR"/>
+          </a:p>
+        </p:txBody>
+      </p:sp>
+      <p:sp>
+        <p:nvSpPr>
+          <p:cNvPr id="28" name="Seta: da Esquerda para a Direita 27">
+            <a:extLst>
+              <a:ext uri="{FF2B5EF4-FFF2-40B4-BE49-F238E27FC236}">
+                <a16:creationId xmlns:a16="http://schemas.microsoft.com/office/drawing/2014/main" id="{7F8716B2-9F75-4381-8AFC-E1833808EE32}"/>
+              </a:ext>
+            </a:extLst>
+          </p:cNvPr>
+          <p:cNvSpPr/>
+          <p:nvPr/>
+        </p:nvSpPr>
+        <p:spPr>
+          <a:xfrm rot="20842974" flipV="1">
+            <a:off x="7248109" y="2038063"/>
+            <a:ext cx="2224585" cy="368489"/>
+          </a:xfrm>
+          <a:prstGeom prst="leftRightArrow">
+            <a:avLst>
+              <a:gd name="adj1" fmla="val 26519"/>
+              <a:gd name="adj2" fmla="val 71524"/>
+            </a:avLst>
+          </a:prstGeom>
+          <a:noFill/>
+          <a:ln w="9525" cap="flat" cmpd="sng" algn="ctr">
+            <a:solidFill>
+              <a:schemeClr val="dk1"/>
+            </a:solidFill>
+            <a:prstDash val="solid"/>
+            <a:round/>
+            <a:headEnd type="none" w="med" len="med"/>
+            <a:tailEnd type="none" w="med" len="med"/>
+          </a:ln>
+        </p:spPr>
+        <p:style>
+          <a:lnRef idx="0">
+            <a:scrgbClr r="0" g="0" b="0"/>
+          </a:lnRef>
+          <a:fillRef idx="0">
+            <a:scrgbClr r="0" g="0" b="0"/>
+          </a:fillRef>
+          <a:effectRef idx="0">
+            <a:scrgbClr r="0" g="0" b="0"/>
+          </a:effectRef>
+          <a:fontRef idx="minor">
+            <a:schemeClr val="dk1"/>
+          </a:fontRef>
+        </p:style>
+        <p:txBody>
+          <a:bodyPr rtlCol="0" anchor="ctr"/>
+          <a:lstStyle/>
+          <a:p>
+            <a:pPr algn="ctr"/>
+            <a:endParaRPr lang="pt-BR"/>
+          </a:p>
+        </p:txBody>
+      </p:sp>
+      <p:sp>
+        <p:nvSpPr>
+          <p:cNvPr id="4" name="CaixaDeTexto 3">
+            <a:extLst>
+              <a:ext uri="{FF2B5EF4-FFF2-40B4-BE49-F238E27FC236}">
+                <a16:creationId xmlns:a16="http://schemas.microsoft.com/office/drawing/2014/main" id="{2AF6944B-5B8E-4ADE-B9E0-33A2CCE2071B}"/>
+              </a:ext>
+            </a:extLst>
+          </p:cNvPr>
+          <p:cNvSpPr txBox="1"/>
+          <p:nvPr/>
+        </p:nvSpPr>
+        <p:spPr>
+          <a:xfrm>
+            <a:off x="4649508" y="2062200"/>
+            <a:ext cx="831703" cy="400110"/>
+          </a:xfrm>
+          <a:prstGeom prst="rect">
+            <a:avLst/>
+          </a:prstGeom>
+          <a:noFill/>
+        </p:spPr>
+        <p:txBody>
+          <a:bodyPr wrap="none" rtlCol="0">
+            <a:spAutoFit/>
+          </a:bodyPr>
+          <a:lstStyle/>
+          <a:p>
+            <a:r>
+              <a:rPr lang="pt-BR" sz="2000" b="1" dirty="0"/>
+              <a:t>Proxy</a:t>
+            </a:r>
+          </a:p>
+        </p:txBody>
+      </p:sp>
+      <p:sp>
+        <p:nvSpPr>
+          <p:cNvPr id="26" name="CaixaDeTexto 25">
+            <a:extLst>
+              <a:ext uri="{FF2B5EF4-FFF2-40B4-BE49-F238E27FC236}">
+                <a16:creationId xmlns:a16="http://schemas.microsoft.com/office/drawing/2014/main" id="{91C36D6A-BBA9-4202-8EA7-60F6CBF145BD}"/>
+              </a:ext>
+            </a:extLst>
+          </p:cNvPr>
+          <p:cNvSpPr txBox="1"/>
+          <p:nvPr/>
+        </p:nvSpPr>
+        <p:spPr>
+          <a:xfrm>
+            <a:off x="6569033" y="2014483"/>
+            <a:ext cx="831703" cy="400110"/>
+          </a:xfrm>
+          <a:prstGeom prst="rect">
+            <a:avLst/>
+          </a:prstGeom>
+          <a:noFill/>
+        </p:spPr>
+        <p:txBody>
+          <a:bodyPr wrap="none" rtlCol="0">
+            <a:spAutoFit/>
+          </a:bodyPr>
+          <a:lstStyle/>
+          <a:p>
+            <a:r>
+              <a:rPr lang="pt-BR" sz="2000" b="1" dirty="0"/>
+              <a:t>Proxy</a:t>
+            </a:r>
+          </a:p>
+        </p:txBody>
+      </p:sp>
+      <p:sp>
+        <p:nvSpPr>
+          <p:cNvPr id="29" name="CaixaDeTexto 28">
+            <a:extLst>
+              <a:ext uri="{FF2B5EF4-FFF2-40B4-BE49-F238E27FC236}">
+                <a16:creationId xmlns:a16="http://schemas.microsoft.com/office/drawing/2014/main" id="{32A17934-2E61-452F-A9F2-CECF66F3D3AE}"/>
+              </a:ext>
+            </a:extLst>
+          </p:cNvPr>
+          <p:cNvSpPr txBox="1"/>
+          <p:nvPr/>
+        </p:nvSpPr>
+        <p:spPr>
+          <a:xfrm>
+            <a:off x="6620215" y="3967788"/>
+            <a:ext cx="831703" cy="400110"/>
+          </a:xfrm>
+          <a:prstGeom prst="rect">
+            <a:avLst/>
+          </a:prstGeom>
+          <a:noFill/>
+        </p:spPr>
+        <p:txBody>
+          <a:bodyPr wrap="none" rtlCol="0">
+            <a:spAutoFit/>
+          </a:bodyPr>
+          <a:lstStyle/>
+          <a:p>
+            <a:r>
+              <a:rPr lang="pt-BR" sz="2000" b="1" dirty="0"/>
+              <a:t>Proxy</a:t>
+            </a:r>
+          </a:p>
+        </p:txBody>
+      </p:sp>
+      <p:sp>
+        <p:nvSpPr>
+          <p:cNvPr id="30" name="CaixaDeTexto 29">
+            <a:extLst>
+              <a:ext uri="{FF2B5EF4-FFF2-40B4-BE49-F238E27FC236}">
+                <a16:creationId xmlns:a16="http://schemas.microsoft.com/office/drawing/2014/main" id="{F204BEC3-A489-4E21-B027-9C311675CD92}"/>
+              </a:ext>
+            </a:extLst>
+          </p:cNvPr>
+          <p:cNvSpPr txBox="1"/>
+          <p:nvPr/>
+        </p:nvSpPr>
+        <p:spPr>
+          <a:xfrm>
+            <a:off x="4635612" y="3891401"/>
+            <a:ext cx="831703" cy="400110"/>
+          </a:xfrm>
+          <a:prstGeom prst="rect">
+            <a:avLst/>
+          </a:prstGeom>
+          <a:noFill/>
+        </p:spPr>
+        <p:txBody>
+          <a:bodyPr wrap="none" rtlCol="0">
+            <a:spAutoFit/>
+          </a:bodyPr>
+          <a:lstStyle/>
+          <a:p>
+            <a:r>
+              <a:rPr lang="pt-BR" sz="2000" b="1" dirty="0"/>
+              <a:t>Proxy</a:t>
+            </a:r>
+          </a:p>
+        </p:txBody>
+      </p:sp>
+    </p:spTree>
+    <p:extLst>
+      <p:ext uri="{BB962C8B-B14F-4D97-AF65-F5344CB8AC3E}">
+        <p14:creationId xmlns:p14="http://schemas.microsoft.com/office/powerpoint/2010/main" val="491091938"/>
+      </p:ext>
+    </p:extLst>
+  </p:cSld>
+  <p:clrMapOvr>
+    <a:masterClrMapping/>
+  </p:clrMapOvr>
+</p:sld>
+</file>
+
+<file path=ppt/slides/slide5.xml><?xml version="1.0" encoding="utf-8"?>
+<p:sld xmlns:a="http://schemas.openxmlformats.org/drawingml/2006/main" xmlns:r="http://schemas.openxmlformats.org/officeDocument/2006/relationships" xmlns:p="http://schemas.openxmlformats.org/presentationml/2006/main" show="0">
+  <p:cSld>
+    <p:spTree>
+      <p:nvGrpSpPr>
+        <p:cNvPr id="1" name=""/>
+        <p:cNvGrpSpPr/>
+        <p:nvPr/>
+      </p:nvGrpSpPr>
+      <p:grpSpPr>
+        <a:xfrm>
+          <a:off x="0" y="0"/>
+          <a:ext cx="0" cy="0"/>
+          <a:chOff x="0" y="0"/>
+          <a:chExt cx="0" cy="0"/>
+        </a:xfrm>
+      </p:grpSpPr>
+      <p:sp>
+        <p:nvSpPr>
+          <p:cNvPr id="11" name="Espaço Reservado para Número de Slide 10">
+            <a:extLst>
+              <a:ext uri="{FF2B5EF4-FFF2-40B4-BE49-F238E27FC236}">
+                <a16:creationId xmlns:a16="http://schemas.microsoft.com/office/drawing/2014/main" id="{B3E69447-CC94-47BE-B909-2792C1A623D5}"/>
+              </a:ext>
+            </a:extLst>
+          </p:cNvPr>
+          <p:cNvSpPr>
+            <a:spLocks noGrp="1"/>
+          </p:cNvSpPr>
+          <p:nvPr>
+            <p:ph type="sldNum" sz="quarter" idx="12"/>
+          </p:nvPr>
+        </p:nvSpPr>
+        <p:spPr/>
+        <p:txBody>
+          <a:bodyPr/>
+          <a:lstStyle/>
+          <a:p>
+            <a:fld id="{4FAB73BC-B049-4115-A692-8D63A059BFB8}" type="slidenum">
+              <a:rPr lang="en-US" smtClean="0"/>
+              <a:pPr/>
+              <a:t>5</a:t>
+            </a:fld>
+            <a:endParaRPr lang="en-US" dirty="0"/>
+          </a:p>
+        </p:txBody>
+      </p:sp>
+      <p:sp>
+        <p:nvSpPr>
+          <p:cNvPr id="2" name="CaixaDeTexto 1">
+            <a:extLst>
+              <a:ext uri="{FF2B5EF4-FFF2-40B4-BE49-F238E27FC236}">
+                <a16:creationId xmlns:a16="http://schemas.microsoft.com/office/drawing/2014/main" id="{F124F5EC-79E5-4D0D-8D3E-5992C8CAA9EE}"/>
+              </a:ext>
+            </a:extLst>
+          </p:cNvPr>
+          <p:cNvSpPr txBox="1">
+            <a:spLocks/>
+          </p:cNvSpPr>
+          <p:nvPr/>
+        </p:nvSpPr>
+        <p:spPr>
+          <a:xfrm>
+            <a:off x="0" y="759240"/>
+            <a:ext cx="12192000" cy="5032147"/>
+          </a:xfrm>
+          <a:prstGeom prst="rect">
+            <a:avLst/>
+          </a:prstGeom>
+          <a:noFill/>
+        </p:spPr>
+        <p:txBody>
+          <a:bodyPr wrap="square" rtlCol="0">
+            <a:spAutoFit/>
+          </a:bodyPr>
+          <a:lstStyle/>
+          <a:p>
+            <a:pPr algn="ctr">
+              <a:lnSpc>
+                <a:spcPct val="150000"/>
+              </a:lnSpc>
+            </a:pPr>
+            <a:r>
+              <a:rPr lang="pt-BR" sz="5400" b="1" dirty="0"/>
+              <a:t>Vantagens</a:t>
+            </a:r>
+          </a:p>
+          <a:p>
+            <a:pPr algn="ctr">
+              <a:lnSpc>
+                <a:spcPct val="150000"/>
+              </a:lnSpc>
+            </a:pPr>
+            <a:r>
+              <a:rPr lang="en-US" sz="4000" dirty="0"/>
+              <a:t>Escalabilidade</a:t>
+            </a:r>
+          </a:p>
+          <a:p>
+            <a:pPr algn="ctr">
+              <a:lnSpc>
+                <a:spcPct val="150000"/>
+              </a:lnSpc>
+            </a:pPr>
+            <a:r>
+              <a:rPr lang="pt-BR" sz="4000" dirty="0"/>
+              <a:t>Controlador mais simples</a:t>
+            </a:r>
+          </a:p>
+          <a:p>
+            <a:pPr algn="ctr">
+              <a:lnSpc>
+                <a:spcPct val="150000"/>
+              </a:lnSpc>
+            </a:pPr>
+            <a:r>
+              <a:rPr lang="pt-BR" sz="4000" dirty="0"/>
+              <a:t>Qualquer conexão</a:t>
+            </a:r>
+          </a:p>
+          <a:p>
+            <a:pPr algn="ctr">
+              <a:lnSpc>
+                <a:spcPct val="150000"/>
+              </a:lnSpc>
+            </a:pPr>
+            <a:r>
+              <a:rPr lang="pt-BR" sz="4000" dirty="0"/>
+              <a:t>Expansão (</a:t>
+            </a:r>
+            <a:r>
+              <a:rPr lang="pt-BR" sz="4000" dirty="0" err="1"/>
+              <a:t>ex</a:t>
+            </a:r>
+            <a:r>
+              <a:rPr lang="pt-BR" sz="4000" dirty="0"/>
+              <a:t>: vendas)</a:t>
+            </a:r>
+          </a:p>
+        </p:txBody>
+      </p:sp>
+    </p:spTree>
+    <p:extLst>
+      <p:ext uri="{BB962C8B-B14F-4D97-AF65-F5344CB8AC3E}">
+        <p14:creationId xmlns:p14="http://schemas.microsoft.com/office/powerpoint/2010/main" val="2840353622"/>
+      </p:ext>
+    </p:extLst>
+  </p:cSld>
+  <p:clrMapOvr>
+    <a:masterClrMapping/>
+  </p:clrMapOvr>
+</p:sld>
+</file>
+
+<file path=ppt/slides/slide6.xml><?xml version="1.0" encoding="utf-8"?>
+<p:sld xmlns:a="http://schemas.openxmlformats.org/drawingml/2006/main" xmlns:r="http://schemas.openxmlformats.org/officeDocument/2006/relationships" xmlns:p="http://schemas.openxmlformats.org/presentationml/2006/main">
+  <p:cSld>
+    <p:spTree>
+      <p:nvGrpSpPr>
+        <p:cNvPr id="1" name=""/>
+        <p:cNvGrpSpPr/>
+        <p:nvPr/>
+      </p:nvGrpSpPr>
+      <p:grpSpPr>
+        <a:xfrm>
+          <a:off x="0" y="0"/>
+          <a:ext cx="0" cy="0"/>
+          <a:chOff x="0" y="0"/>
+          <a:chExt cx="0" cy="0"/>
+        </a:xfrm>
+      </p:grpSpPr>
+      <p:sp>
+        <p:nvSpPr>
+          <p:cNvPr id="11" name="Espaço Reservado para Número de Slide 10">
+            <a:extLst>
+              <a:ext uri="{FF2B5EF4-FFF2-40B4-BE49-F238E27FC236}">
+                <a16:creationId xmlns:a16="http://schemas.microsoft.com/office/drawing/2014/main" id="{B3E69447-CC94-47BE-B909-2792C1A623D5}"/>
+              </a:ext>
+            </a:extLst>
+          </p:cNvPr>
+          <p:cNvSpPr>
+            <a:spLocks noGrp="1"/>
+          </p:cNvSpPr>
+          <p:nvPr>
+            <p:ph type="sldNum" sz="quarter" idx="12"/>
+          </p:nvPr>
+        </p:nvSpPr>
+        <p:spPr/>
+        <p:txBody>
+          <a:bodyPr/>
+          <a:lstStyle/>
+          <a:p>
+            <a:fld id="{4FAB73BC-B049-4115-A692-8D63A059BFB8}" type="slidenum">
+              <a:rPr lang="en-US" smtClean="0"/>
+              <a:pPr/>
+              <a:t>6</a:t>
+            </a:fld>
+            <a:endParaRPr lang="en-US" dirty="0"/>
+          </a:p>
+        </p:txBody>
+      </p:sp>
+      <p:grpSp>
+        <p:nvGrpSpPr>
+          <p:cNvPr id="2" name="Agrupar 1">
+            <a:extLst>
+              <a:ext uri="{FF2B5EF4-FFF2-40B4-BE49-F238E27FC236}">
+                <a16:creationId xmlns:a16="http://schemas.microsoft.com/office/drawing/2014/main" id="{79D917FF-8E99-478B-BEC9-37E98FCC626E}"/>
+              </a:ext>
+            </a:extLst>
+          </p:cNvPr>
+          <p:cNvGrpSpPr/>
+          <p:nvPr/>
+        </p:nvGrpSpPr>
+        <p:grpSpPr>
+          <a:xfrm>
+            <a:off x="845442" y="2025748"/>
+            <a:ext cx="10425515" cy="2644728"/>
+            <a:chOff x="583253" y="2194561"/>
+            <a:chExt cx="9815506" cy="2489982"/>
+          </a:xfrm>
+        </p:grpSpPr>
+        <p:pic>
+          <p:nvPicPr>
+            <p:cNvPr id="3" name="Espaço Reservado para Imagem 5">
+              <a:extLst>
+                <a:ext uri="{FF2B5EF4-FFF2-40B4-BE49-F238E27FC236}">
+                  <a16:creationId xmlns:a16="http://schemas.microsoft.com/office/drawing/2014/main" id="{BB004C73-6A1A-4212-B6FC-5F40A203BF88}"/>
+                </a:ext>
+              </a:extLst>
+            </p:cNvPr>
+            <p:cNvPicPr>
+              <a:picLocks noChangeAspect="1"/>
+            </p:cNvPicPr>
+            <p:nvPr/>
+          </p:nvPicPr>
+          <p:blipFill rotWithShape="1">
+            <a:blip r:embed="rId2">
+              <a:extLst>
+                <a:ext uri="{BEBA8EAE-BF5A-486C-A8C5-ECC9F3942E4B}">
+                  <a14:imgProps xmlns:a14="http://schemas.microsoft.com/office/drawing/2010/main">
+                    <a14:imgLayer r:embed="rId3">
+                      <a14:imgEffect>
+                        <a14:saturation sat="200000"/>
+                      </a14:imgEffect>
+                      <a14:imgEffect>
+                        <a14:brightnessContrast bright="-10000" contrast="60000"/>
+                      </a14:imgEffect>
+                    </a14:imgLayer>
+                  </a14:imgProps>
+                </a:ext>
+              </a:extLst>
+            </a:blip>
+            <a:srcRect l="889" t="15819" r="31155" b="13953"/>
+            <a:stretch/>
+          </p:blipFill>
+          <p:spPr>
+            <a:xfrm>
+              <a:off x="583253" y="2194561"/>
+              <a:ext cx="7632279" cy="2489982"/>
+            </a:xfrm>
+            <a:prstGeom prst="rect">
+              <a:avLst/>
+            </a:prstGeom>
+          </p:spPr>
+        </p:pic>
+        <p:pic>
+          <p:nvPicPr>
+            <p:cNvPr id="5" name="Picture 2" descr="Image result for server">
+              <a:extLst>
+                <a:ext uri="{FF2B5EF4-FFF2-40B4-BE49-F238E27FC236}">
+                  <a16:creationId xmlns:a16="http://schemas.microsoft.com/office/drawing/2014/main" id="{3019CAD5-3915-4030-B945-6C57E68CBD7D}"/>
+                </a:ext>
+              </a:extLst>
+            </p:cNvPr>
+            <p:cNvPicPr>
+              <a:picLocks noChangeAspect="1" noChangeArrowheads="1"/>
+            </p:cNvPicPr>
+            <p:nvPr/>
+          </p:nvPicPr>
+          <p:blipFill>
+            <a:blip r:embed="rId4">
+              <a:extLst>
+                <a:ext uri="{28A0092B-C50C-407E-A947-70E740481C1C}">
+                  <a14:useLocalDpi xmlns:a14="http://schemas.microsoft.com/office/drawing/2010/main" val="0"/>
+                </a:ext>
+              </a:extLst>
+            </a:blip>
+            <a:srcRect/>
+            <a:stretch>
+              <a:fillRect/>
+            </a:stretch>
+          </p:blipFill>
+          <p:spPr bwMode="auto">
+            <a:xfrm>
+              <a:off x="8648785" y="2339664"/>
+              <a:ext cx="1749974" cy="2344879"/>
+            </a:xfrm>
+            <a:prstGeom prst="rect">
+              <a:avLst/>
+            </a:prstGeom>
+            <a:noFill/>
+            <a:extLst>
+              <a:ext uri="{909E8E84-426E-40DD-AFC4-6F175D3DCCD1}">
+                <a14:hiddenFill xmlns:a14="http://schemas.microsoft.com/office/drawing/2010/main">
+                  <a:solidFill>
+                    <a:srgbClr val="FFFFFF"/>
+                  </a:solidFill>
+                </a14:hiddenFill>
+              </a:ext>
+            </a:extLst>
+          </p:spPr>
+        </p:pic>
+      </p:grpSp>
     </p:spTree>
     <p:extLst>
       <p:ext uri="{BB962C8B-B14F-4D97-AF65-F5344CB8AC3E}">
         <p14:creationId xmlns:p14="http://schemas.microsoft.com/office/powerpoint/2010/main" val="1835575089"/>
+      </p:ext>
+    </p:extLst>
+  </p:cSld>
+  <p:clrMapOvr>
+    <a:masterClrMapping/>
+  </p:clrMapOvr>
+</p:sld>
+</file>
+
+<file path=ppt/slides/slide7.xml><?xml version="1.0" encoding="utf-8"?>
+<p:sld xmlns:a="http://schemas.openxmlformats.org/drawingml/2006/main" xmlns:r="http://schemas.openxmlformats.org/officeDocument/2006/relationships" xmlns:p="http://schemas.openxmlformats.org/presentationml/2006/main">
+  <p:cSld>
+    <p:spTree>
+      <p:nvGrpSpPr>
+        <p:cNvPr id="1" name=""/>
+        <p:cNvGrpSpPr/>
+        <p:nvPr/>
+      </p:nvGrpSpPr>
+      <p:grpSpPr>
+        <a:xfrm>
+          <a:off x="0" y="0"/>
+          <a:ext cx="0" cy="0"/>
+          <a:chOff x="0" y="0"/>
+          <a:chExt cx="0" cy="0"/>
+        </a:xfrm>
+      </p:grpSpPr>
+      <p:sp>
+        <p:nvSpPr>
+          <p:cNvPr id="11" name="Espaço Reservado para Número de Slide 10">
+            <a:extLst>
+              <a:ext uri="{FF2B5EF4-FFF2-40B4-BE49-F238E27FC236}">
+                <a16:creationId xmlns:a16="http://schemas.microsoft.com/office/drawing/2014/main" id="{B3E69447-CC94-47BE-B909-2792C1A623D5}"/>
+              </a:ext>
+            </a:extLst>
+          </p:cNvPr>
+          <p:cNvSpPr>
+            <a:spLocks noGrp="1"/>
+          </p:cNvSpPr>
+          <p:nvPr>
+            <p:ph type="sldNum" sz="quarter" idx="12"/>
+          </p:nvPr>
+        </p:nvSpPr>
+        <p:spPr/>
+        <p:txBody>
+          <a:bodyPr/>
+          <a:lstStyle/>
+          <a:p>
+            <a:fld id="{4FAB73BC-B049-4115-A692-8D63A059BFB8}" type="slidenum">
+              <a:rPr lang="en-US" smtClean="0"/>
+              <a:pPr/>
+              <a:t>7</a:t>
+            </a:fld>
+            <a:endParaRPr lang="en-US" dirty="0"/>
+          </a:p>
+        </p:txBody>
+      </p:sp>
+      <p:pic>
+        <p:nvPicPr>
+          <p:cNvPr id="6" name="Imagem 5" descr="Uma imagem contendo equipamentos eletrônicos, circuito&#10;&#10;Descrição gerada com muito alta confiança">
+            <a:extLst>
+              <a:ext uri="{FF2B5EF4-FFF2-40B4-BE49-F238E27FC236}">
+                <a16:creationId xmlns:a16="http://schemas.microsoft.com/office/drawing/2014/main" id="{B485CD62-7BEB-4579-8B0F-9EC37B4F495D}"/>
+              </a:ext>
+            </a:extLst>
+          </p:cNvPr>
+          <p:cNvPicPr>
+            <a:picLocks noChangeAspect="1"/>
+          </p:cNvPicPr>
+          <p:nvPr/>
+        </p:nvPicPr>
+        <p:blipFill rotWithShape="1">
+          <a:blip r:embed="rId2"/>
+          <a:srcRect t="16333" b="13504"/>
+          <a:stretch/>
+        </p:blipFill>
+        <p:spPr>
+          <a:xfrm>
+            <a:off x="254714" y="4567221"/>
+            <a:ext cx="3458940" cy="1820139"/>
+          </a:xfrm>
+          <a:prstGeom prst="rect">
+            <a:avLst/>
+          </a:prstGeom>
+        </p:spPr>
+      </p:pic>
+      <p:pic>
+        <p:nvPicPr>
+          <p:cNvPr id="8" name="Imagem 7">
+            <a:extLst>
+              <a:ext uri="{FF2B5EF4-FFF2-40B4-BE49-F238E27FC236}">
+                <a16:creationId xmlns:a16="http://schemas.microsoft.com/office/drawing/2014/main" id="{C7035634-00F4-4867-ACD1-C04CF499D6AF}"/>
+              </a:ext>
+            </a:extLst>
+          </p:cNvPr>
+          <p:cNvPicPr>
+            <a:picLocks noChangeAspect="1"/>
+          </p:cNvPicPr>
+          <p:nvPr/>
+        </p:nvPicPr>
+        <p:blipFill>
+          <a:blip r:embed="rId3"/>
+          <a:stretch>
+            <a:fillRect/>
+          </a:stretch>
+        </p:blipFill>
+        <p:spPr>
+          <a:xfrm>
+            <a:off x="8412408" y="458613"/>
+            <a:ext cx="2654827" cy="1941341"/>
+          </a:xfrm>
+          <a:prstGeom prst="rect">
+            <a:avLst/>
+          </a:prstGeom>
+        </p:spPr>
+      </p:pic>
+      <p:pic>
+        <p:nvPicPr>
+          <p:cNvPr id="10" name="Imagem 9" descr="Uma imagem contendo equipamentos eletrônicos, circuito&#10;&#10;Descrição gerada com muito alta confiança">
+            <a:extLst>
+              <a:ext uri="{FF2B5EF4-FFF2-40B4-BE49-F238E27FC236}">
+                <a16:creationId xmlns:a16="http://schemas.microsoft.com/office/drawing/2014/main" id="{DC500A7D-12B5-4B23-8911-1501BAD1D8DA}"/>
+              </a:ext>
+            </a:extLst>
+          </p:cNvPr>
+          <p:cNvPicPr>
+            <a:picLocks noChangeAspect="1"/>
+          </p:cNvPicPr>
+          <p:nvPr/>
+        </p:nvPicPr>
+        <p:blipFill rotWithShape="1">
+          <a:blip r:embed="rId4"/>
+          <a:srcRect l="13250" t="8204" r="10598" b="5455"/>
+          <a:stretch/>
+        </p:blipFill>
+        <p:spPr>
+          <a:xfrm>
+            <a:off x="642122" y="377935"/>
+            <a:ext cx="2830342" cy="2406752"/>
+          </a:xfrm>
+          <a:prstGeom prst="rect">
+            <a:avLst/>
+          </a:prstGeom>
+        </p:spPr>
+      </p:pic>
+      <p:pic>
+        <p:nvPicPr>
+          <p:cNvPr id="12" name="Picture 2" descr="Image result for server">
+            <a:extLst>
+              <a:ext uri="{FF2B5EF4-FFF2-40B4-BE49-F238E27FC236}">
+                <a16:creationId xmlns:a16="http://schemas.microsoft.com/office/drawing/2014/main" id="{5CE7177F-A349-434E-841D-3AE1C497F690}"/>
+              </a:ext>
+            </a:extLst>
+          </p:cNvPr>
+          <p:cNvPicPr>
+            <a:picLocks noChangeAspect="1" noChangeArrowheads="1"/>
+          </p:cNvPicPr>
+          <p:nvPr/>
+        </p:nvPicPr>
+        <p:blipFill>
+          <a:blip r:embed="rId5">
+            <a:extLst>
+              <a:ext uri="{28A0092B-C50C-407E-A947-70E740481C1C}">
+                <a14:useLocalDpi xmlns:a14="http://schemas.microsoft.com/office/drawing/2010/main" val="0"/>
+              </a:ext>
+            </a:extLst>
+          </a:blip>
+          <a:srcRect/>
+          <a:stretch>
+            <a:fillRect/>
+          </a:stretch>
+        </p:blipFill>
+        <p:spPr bwMode="auto">
+          <a:xfrm>
+            <a:off x="9160183" y="4446420"/>
+            <a:ext cx="1557838" cy="2087425"/>
+          </a:xfrm>
+          <a:prstGeom prst="rect">
+            <a:avLst/>
+          </a:prstGeom>
+          <a:noFill/>
+          <a:extLst>
+            <a:ext uri="{909E8E84-426E-40DD-AFC4-6F175D3DCCD1}">
+              <a14:hiddenFill xmlns:a14="http://schemas.microsoft.com/office/drawing/2010/main">
+                <a:solidFill>
+                  <a:srgbClr val="FFFFFF"/>
+                </a:solidFill>
+              </a14:hiddenFill>
+            </a:ext>
+          </a:extLst>
+        </p:spPr>
+      </p:pic>
+      <p:sp>
+        <p:nvSpPr>
+          <p:cNvPr id="13" name="Seta: para Cima 12">
+            <a:extLst>
+              <a:ext uri="{FF2B5EF4-FFF2-40B4-BE49-F238E27FC236}">
+                <a16:creationId xmlns:a16="http://schemas.microsoft.com/office/drawing/2014/main" id="{CD327F77-8808-4416-B657-D21861FE6571}"/>
+              </a:ext>
+            </a:extLst>
+          </p:cNvPr>
+          <p:cNvSpPr/>
+          <p:nvPr/>
+        </p:nvSpPr>
+        <p:spPr>
+          <a:xfrm>
+            <a:off x="1378418" y="2977347"/>
+            <a:ext cx="328489" cy="1266092"/>
+          </a:xfrm>
+          <a:prstGeom prst="upArrow">
+            <a:avLst/>
+          </a:prstGeom>
+        </p:spPr>
+        <p:style>
+          <a:lnRef idx="2">
+            <a:schemeClr val="dk1"/>
+          </a:lnRef>
+          <a:fillRef idx="1">
+            <a:schemeClr val="lt1"/>
+          </a:fillRef>
+          <a:effectRef idx="0">
+            <a:schemeClr val="dk1"/>
+          </a:effectRef>
+          <a:fontRef idx="minor">
+            <a:schemeClr val="dk1"/>
+          </a:fontRef>
+        </p:style>
+        <p:txBody>
+          <a:bodyPr rtlCol="0" anchor="ctr"/>
+          <a:lstStyle/>
+          <a:p>
+            <a:pPr algn="ctr"/>
+            <a:endParaRPr lang="pt-BR"/>
+          </a:p>
+        </p:txBody>
+      </p:sp>
+      <p:sp>
+        <p:nvSpPr>
+          <p:cNvPr id="14" name="Seta: para Cima 13">
+            <a:extLst>
+              <a:ext uri="{FF2B5EF4-FFF2-40B4-BE49-F238E27FC236}">
+                <a16:creationId xmlns:a16="http://schemas.microsoft.com/office/drawing/2014/main" id="{195AB67E-7DD3-4F7F-92D2-F7554B8C1BA0}"/>
+              </a:ext>
+            </a:extLst>
+          </p:cNvPr>
+          <p:cNvSpPr/>
+          <p:nvPr/>
+        </p:nvSpPr>
+        <p:spPr>
+          <a:xfrm rot="5400000">
+            <a:off x="5464386" y="-1163601"/>
+            <a:ext cx="460340" cy="4215254"/>
+          </a:xfrm>
+          <a:prstGeom prst="upArrow">
+            <a:avLst/>
+          </a:prstGeom>
+        </p:spPr>
+        <p:style>
+          <a:lnRef idx="2">
+            <a:schemeClr val="dk1"/>
+          </a:lnRef>
+          <a:fillRef idx="1">
+            <a:schemeClr val="lt1"/>
+          </a:fillRef>
+          <a:effectRef idx="0">
+            <a:schemeClr val="dk1"/>
+          </a:effectRef>
+          <a:fontRef idx="minor">
+            <a:schemeClr val="dk1"/>
+          </a:fontRef>
+        </p:style>
+        <p:txBody>
+          <a:bodyPr rtlCol="0" anchor="ctr"/>
+          <a:lstStyle/>
+          <a:p>
+            <a:pPr algn="ctr"/>
+            <a:endParaRPr lang="pt-BR"/>
+          </a:p>
+        </p:txBody>
+      </p:sp>
+      <p:sp>
+        <p:nvSpPr>
+          <p:cNvPr id="15" name="Seta: para Cima 14">
+            <a:extLst>
+              <a:ext uri="{FF2B5EF4-FFF2-40B4-BE49-F238E27FC236}">
+                <a16:creationId xmlns:a16="http://schemas.microsoft.com/office/drawing/2014/main" id="{2069875E-CF3F-41CB-8798-58324A3100A1}"/>
+              </a:ext>
+            </a:extLst>
+          </p:cNvPr>
+          <p:cNvSpPr/>
+          <p:nvPr/>
+        </p:nvSpPr>
+        <p:spPr>
+          <a:xfrm flipV="1">
+            <a:off x="10110524" y="2890164"/>
+            <a:ext cx="328489" cy="1266092"/>
+          </a:xfrm>
+          <a:prstGeom prst="upArrow">
+            <a:avLst/>
+          </a:prstGeom>
+        </p:spPr>
+        <p:style>
+          <a:lnRef idx="2">
+            <a:schemeClr val="dk1"/>
+          </a:lnRef>
+          <a:fillRef idx="1">
+            <a:schemeClr val="lt1"/>
+          </a:fillRef>
+          <a:effectRef idx="0">
+            <a:schemeClr val="dk1"/>
+          </a:effectRef>
+          <a:fontRef idx="minor">
+            <a:schemeClr val="dk1"/>
+          </a:fontRef>
+        </p:style>
+        <p:txBody>
+          <a:bodyPr rtlCol="0" anchor="ctr"/>
+          <a:lstStyle/>
+          <a:p>
+            <a:pPr algn="ctr"/>
+            <a:endParaRPr lang="pt-BR"/>
+          </a:p>
+        </p:txBody>
+      </p:sp>
+      <p:sp>
+        <p:nvSpPr>
+          <p:cNvPr id="16" name="Seta: para Cima 15">
+            <a:extLst>
+              <a:ext uri="{FF2B5EF4-FFF2-40B4-BE49-F238E27FC236}">
+                <a16:creationId xmlns:a16="http://schemas.microsoft.com/office/drawing/2014/main" id="{49B0DE2F-631B-4F44-9997-902486A6C224}"/>
+              </a:ext>
+            </a:extLst>
+          </p:cNvPr>
+          <p:cNvSpPr/>
+          <p:nvPr/>
+        </p:nvSpPr>
+        <p:spPr>
+          <a:xfrm flipV="1">
+            <a:off x="1887459" y="2984601"/>
+            <a:ext cx="328489" cy="1266092"/>
+          </a:xfrm>
+          <a:prstGeom prst="upArrow">
+            <a:avLst/>
+          </a:prstGeom>
+        </p:spPr>
+        <p:style>
+          <a:lnRef idx="2">
+            <a:schemeClr val="dk1">
+              <a:shade val="50000"/>
+            </a:schemeClr>
+          </a:lnRef>
+          <a:fillRef idx="1">
+            <a:schemeClr val="dk1"/>
+          </a:fillRef>
+          <a:effectRef idx="0">
+            <a:schemeClr val="dk1"/>
+          </a:effectRef>
+          <a:fontRef idx="minor">
+            <a:schemeClr val="lt1"/>
+          </a:fontRef>
+        </p:style>
+        <p:txBody>
+          <a:bodyPr rtlCol="0" anchor="ctr"/>
+          <a:lstStyle/>
+          <a:p>
+            <a:pPr algn="ctr"/>
+            <a:endParaRPr lang="pt-BR"/>
+          </a:p>
+        </p:txBody>
+      </p:sp>
+      <p:sp>
+        <p:nvSpPr>
+          <p:cNvPr id="17" name="Seta: para Cima 16">
+            <a:extLst>
+              <a:ext uri="{FF2B5EF4-FFF2-40B4-BE49-F238E27FC236}">
+                <a16:creationId xmlns:a16="http://schemas.microsoft.com/office/drawing/2014/main" id="{C9B7E3EE-4771-49EF-8278-E1F1E167E56B}"/>
+              </a:ext>
+            </a:extLst>
+          </p:cNvPr>
+          <p:cNvSpPr/>
+          <p:nvPr/>
+        </p:nvSpPr>
+        <p:spPr>
+          <a:xfrm>
+            <a:off x="9575578" y="2838414"/>
+            <a:ext cx="328489" cy="1266092"/>
+          </a:xfrm>
+          <a:prstGeom prst="upArrow">
+            <a:avLst/>
+          </a:prstGeom>
+        </p:spPr>
+        <p:style>
+          <a:lnRef idx="2">
+            <a:schemeClr val="dk1">
+              <a:shade val="50000"/>
+            </a:schemeClr>
+          </a:lnRef>
+          <a:fillRef idx="1">
+            <a:schemeClr val="dk1"/>
+          </a:fillRef>
+          <a:effectRef idx="0">
+            <a:schemeClr val="dk1"/>
+          </a:effectRef>
+          <a:fontRef idx="minor">
+            <a:schemeClr val="lt1"/>
+          </a:fontRef>
+        </p:style>
+        <p:txBody>
+          <a:bodyPr rtlCol="0" anchor="ctr"/>
+          <a:lstStyle/>
+          <a:p>
+            <a:pPr algn="ctr"/>
+            <a:endParaRPr lang="pt-BR"/>
+          </a:p>
+        </p:txBody>
+      </p:sp>
+      <p:sp>
+        <p:nvSpPr>
+          <p:cNvPr id="18" name="Seta: para Cima 17">
+            <a:extLst>
+              <a:ext uri="{FF2B5EF4-FFF2-40B4-BE49-F238E27FC236}">
+                <a16:creationId xmlns:a16="http://schemas.microsoft.com/office/drawing/2014/main" id="{3CD955DC-0F63-48E8-BD2E-865C75BE9FD8}"/>
+              </a:ext>
+            </a:extLst>
+          </p:cNvPr>
+          <p:cNvSpPr/>
+          <p:nvPr/>
+        </p:nvSpPr>
+        <p:spPr>
+          <a:xfrm rot="16200000" flipH="1">
+            <a:off x="5428721" y="-603180"/>
+            <a:ext cx="460341" cy="4215255"/>
+          </a:xfrm>
+          <a:prstGeom prst="upArrow">
+            <a:avLst/>
+          </a:prstGeom>
+        </p:spPr>
+        <p:style>
+          <a:lnRef idx="2">
+            <a:schemeClr val="dk1">
+              <a:shade val="50000"/>
+            </a:schemeClr>
+          </a:lnRef>
+          <a:fillRef idx="1">
+            <a:schemeClr val="dk1"/>
+          </a:fillRef>
+          <a:effectRef idx="0">
+            <a:schemeClr val="dk1"/>
+          </a:effectRef>
+          <a:fontRef idx="minor">
+            <a:schemeClr val="lt1"/>
+          </a:fontRef>
+        </p:style>
+        <p:txBody>
+          <a:bodyPr rtlCol="0" anchor="ctr"/>
+          <a:lstStyle/>
+          <a:p>
+            <a:pPr algn="ctr"/>
+            <a:endParaRPr lang="pt-BR"/>
+          </a:p>
+        </p:txBody>
+      </p:sp>
+      <p:sp>
+        <p:nvSpPr>
+          <p:cNvPr id="19" name="CaixaDeTexto 18">
+            <a:extLst>
+              <a:ext uri="{FF2B5EF4-FFF2-40B4-BE49-F238E27FC236}">
+                <a16:creationId xmlns:a16="http://schemas.microsoft.com/office/drawing/2014/main" id="{AE909D4F-B623-473C-B7E4-819C36804CE7}"/>
+              </a:ext>
+            </a:extLst>
+          </p:cNvPr>
+          <p:cNvSpPr txBox="1"/>
+          <p:nvPr/>
+        </p:nvSpPr>
+        <p:spPr>
+          <a:xfrm>
+            <a:off x="2634713" y="3127865"/>
+            <a:ext cx="1382493" cy="1077218"/>
+          </a:xfrm>
+          <a:prstGeom prst="rect">
+            <a:avLst/>
+          </a:prstGeom>
+          <a:noFill/>
+        </p:spPr>
+        <p:txBody>
+          <a:bodyPr wrap="none" rtlCol="0">
+            <a:spAutoFit/>
+          </a:bodyPr>
+          <a:lstStyle/>
+          <a:p>
+            <a:pPr algn="ctr"/>
+            <a:r>
+              <a:rPr lang="pt-BR" sz="3200" dirty="0"/>
+              <a:t>Char</a:t>
+            </a:r>
+          </a:p>
+          <a:p>
+            <a:pPr algn="ctr"/>
+            <a:r>
+              <a:rPr lang="pt-BR" sz="3200" dirty="0"/>
+              <a:t>(Serial)</a:t>
+            </a:r>
+          </a:p>
+        </p:txBody>
+      </p:sp>
+      <p:sp>
+        <p:nvSpPr>
+          <p:cNvPr id="20" name="CaixaDeTexto 19">
+            <a:extLst>
+              <a:ext uri="{FF2B5EF4-FFF2-40B4-BE49-F238E27FC236}">
+                <a16:creationId xmlns:a16="http://schemas.microsoft.com/office/drawing/2014/main" id="{31F1A424-9C1C-4A23-AFBA-698BD5EAA9FF}"/>
+              </a:ext>
+            </a:extLst>
+          </p:cNvPr>
+          <p:cNvSpPr txBox="1"/>
+          <p:nvPr/>
+        </p:nvSpPr>
+        <p:spPr>
+          <a:xfrm>
+            <a:off x="5034362" y="1821111"/>
+            <a:ext cx="1249060" cy="1077218"/>
+          </a:xfrm>
+          <a:prstGeom prst="rect">
+            <a:avLst/>
+          </a:prstGeom>
+          <a:noFill/>
+        </p:spPr>
+        <p:txBody>
+          <a:bodyPr wrap="none" rtlCol="0">
+            <a:spAutoFit/>
+          </a:bodyPr>
+          <a:lstStyle/>
+          <a:p>
+            <a:pPr algn="ctr"/>
+            <a:r>
+              <a:rPr lang="pt-BR" sz="3200" dirty="0"/>
+              <a:t>HTTP</a:t>
+            </a:r>
+          </a:p>
+          <a:p>
+            <a:pPr algn="ctr"/>
+            <a:r>
+              <a:rPr lang="pt-BR" sz="3200" dirty="0"/>
+              <a:t>(</a:t>
+            </a:r>
+            <a:r>
+              <a:rPr lang="pt-BR" sz="3200" dirty="0" err="1"/>
+              <a:t>Wi-fi</a:t>
+            </a:r>
+            <a:r>
+              <a:rPr lang="pt-BR" sz="3200" dirty="0"/>
+              <a:t>)</a:t>
+            </a:r>
+          </a:p>
+        </p:txBody>
+      </p:sp>
+      <p:sp>
+        <p:nvSpPr>
+          <p:cNvPr id="21" name="CaixaDeTexto 20">
+            <a:extLst>
+              <a:ext uri="{FF2B5EF4-FFF2-40B4-BE49-F238E27FC236}">
+                <a16:creationId xmlns:a16="http://schemas.microsoft.com/office/drawing/2014/main" id="{9E817F32-6455-4C1F-9283-C60DF8C04BDD}"/>
+              </a:ext>
+            </a:extLst>
+          </p:cNvPr>
+          <p:cNvSpPr txBox="1"/>
+          <p:nvPr/>
+        </p:nvSpPr>
+        <p:spPr>
+          <a:xfrm>
+            <a:off x="7451402" y="3079038"/>
+            <a:ext cx="1922321" cy="1077218"/>
+          </a:xfrm>
+          <a:prstGeom prst="rect">
+            <a:avLst/>
+          </a:prstGeom>
+          <a:noFill/>
+        </p:spPr>
+        <p:txBody>
+          <a:bodyPr wrap="none" rtlCol="0">
+            <a:spAutoFit/>
+          </a:bodyPr>
+          <a:lstStyle/>
+          <a:p>
+            <a:pPr algn="ctr"/>
+            <a:r>
+              <a:rPr lang="pt-BR" sz="3200" dirty="0"/>
+              <a:t>HTTP</a:t>
+            </a:r>
+          </a:p>
+          <a:p>
+            <a:pPr algn="ctr"/>
+            <a:r>
+              <a:rPr lang="pt-BR" sz="3200" dirty="0"/>
+              <a:t>(Ethernet)</a:t>
+            </a:r>
+          </a:p>
+        </p:txBody>
+      </p:sp>
+      <p:cxnSp>
+        <p:nvCxnSpPr>
+          <p:cNvPr id="23" name="Conector de Seta Reta 22">
+            <a:extLst>
+              <a:ext uri="{FF2B5EF4-FFF2-40B4-BE49-F238E27FC236}">
+                <a16:creationId xmlns:a16="http://schemas.microsoft.com/office/drawing/2014/main" id="{FADFB207-1BAC-49B8-BE5D-8888DB19B297}"/>
+              </a:ext>
+            </a:extLst>
+          </p:cNvPr>
+          <p:cNvCxnSpPr/>
+          <p:nvPr/>
+        </p:nvCxnSpPr>
+        <p:spPr>
+          <a:xfrm>
+            <a:off x="4254597" y="5314951"/>
+            <a:ext cx="4057650" cy="0"/>
+          </a:xfrm>
+          <a:prstGeom prst="straightConnector1">
+            <a:avLst/>
+          </a:prstGeom>
+          <a:ln w="63500" cap="flat" cmpd="sng" algn="ctr">
+            <a:solidFill>
+              <a:schemeClr val="tx1"/>
+            </a:solidFill>
+            <a:prstDash val="dash"/>
+            <a:round/>
+            <a:headEnd type="none" w="med" len="med"/>
+            <a:tailEnd type="arrow" w="med" len="med"/>
+          </a:ln>
+        </p:spPr>
+        <p:style>
+          <a:lnRef idx="0">
+            <a:scrgbClr r="0" g="0" b="0"/>
+          </a:lnRef>
+          <a:fillRef idx="0">
+            <a:scrgbClr r="0" g="0" b="0"/>
+          </a:fillRef>
+          <a:effectRef idx="0">
+            <a:scrgbClr r="0" g="0" b="0"/>
+          </a:effectRef>
+          <a:fontRef idx="minor">
+            <a:schemeClr val="tx1"/>
+          </a:fontRef>
+        </p:style>
+      </p:cxnSp>
+      <p:cxnSp>
+        <p:nvCxnSpPr>
+          <p:cNvPr id="24" name="Conector de Seta Reta 23">
+            <a:extLst>
+              <a:ext uri="{FF2B5EF4-FFF2-40B4-BE49-F238E27FC236}">
+                <a16:creationId xmlns:a16="http://schemas.microsoft.com/office/drawing/2014/main" id="{9CD545DE-5E7F-4775-9F50-1B44895BCAB5}"/>
+              </a:ext>
+            </a:extLst>
+          </p:cNvPr>
+          <p:cNvCxnSpPr>
+            <a:cxnSpLocks/>
+          </p:cNvCxnSpPr>
+          <p:nvPr/>
+        </p:nvCxnSpPr>
+        <p:spPr>
+          <a:xfrm flipH="1">
+            <a:off x="4140297" y="5753100"/>
+            <a:ext cx="4057650" cy="0"/>
+          </a:xfrm>
+          <a:prstGeom prst="straightConnector1">
+            <a:avLst/>
+          </a:prstGeom>
+          <a:ln w="63500" cap="flat" cmpd="sng" algn="ctr">
+            <a:solidFill>
+              <a:schemeClr val="tx1"/>
+            </a:solidFill>
+            <a:prstDash val="dash"/>
+            <a:round/>
+            <a:headEnd type="none" w="med" len="med"/>
+            <a:tailEnd type="arrow" w="med" len="med"/>
+          </a:ln>
+        </p:spPr>
+        <p:style>
+          <a:lnRef idx="0">
+            <a:scrgbClr r="0" g="0" b="0"/>
+          </a:lnRef>
+          <a:fillRef idx="0">
+            <a:scrgbClr r="0" g="0" b="0"/>
+          </a:fillRef>
+          <a:effectRef idx="0">
+            <a:scrgbClr r="0" g="0" b="0"/>
+          </a:effectRef>
+          <a:fontRef idx="minor">
+            <a:schemeClr val="tx1"/>
+          </a:fontRef>
+        </p:style>
+      </p:cxnSp>
+      <p:sp>
+        <p:nvSpPr>
+          <p:cNvPr id="26" name="CaixaDeTexto 25">
+            <a:extLst>
+              <a:ext uri="{FF2B5EF4-FFF2-40B4-BE49-F238E27FC236}">
+                <a16:creationId xmlns:a16="http://schemas.microsoft.com/office/drawing/2014/main" id="{EDEAEE45-DED1-4087-B2DD-A92E898CF1A5}"/>
+              </a:ext>
+            </a:extLst>
+          </p:cNvPr>
+          <p:cNvSpPr txBox="1"/>
+          <p:nvPr/>
+        </p:nvSpPr>
+        <p:spPr>
+          <a:xfrm>
+            <a:off x="5544592" y="4605195"/>
+            <a:ext cx="1249060" cy="584775"/>
+          </a:xfrm>
+          <a:prstGeom prst="rect">
+            <a:avLst/>
+          </a:prstGeom>
+          <a:noFill/>
+        </p:spPr>
+        <p:txBody>
+          <a:bodyPr wrap="square" rtlCol="0">
+            <a:spAutoFit/>
+          </a:bodyPr>
+          <a:lstStyle/>
+          <a:p>
+            <a:pPr algn="ctr"/>
+            <a:r>
+              <a:rPr lang="pt-BR" sz="3200" dirty="0"/>
+              <a:t>Sinais</a:t>
+            </a:r>
+          </a:p>
+        </p:txBody>
+      </p:sp>
+      <p:sp>
+        <p:nvSpPr>
+          <p:cNvPr id="27" name="CaixaDeTexto 26">
+            <a:extLst>
+              <a:ext uri="{FF2B5EF4-FFF2-40B4-BE49-F238E27FC236}">
+                <a16:creationId xmlns:a16="http://schemas.microsoft.com/office/drawing/2014/main" id="{805D9AE6-69FF-4D5C-A1E1-E8165C3C7272}"/>
+              </a:ext>
+            </a:extLst>
+          </p:cNvPr>
+          <p:cNvSpPr txBox="1"/>
+          <p:nvPr/>
+        </p:nvSpPr>
+        <p:spPr>
+          <a:xfrm>
+            <a:off x="4786313" y="5819032"/>
+            <a:ext cx="2692998" cy="584775"/>
+          </a:xfrm>
+          <a:prstGeom prst="rect">
+            <a:avLst/>
+          </a:prstGeom>
+          <a:noFill/>
+        </p:spPr>
+        <p:txBody>
+          <a:bodyPr wrap="square" rtlCol="0">
+            <a:spAutoFit/>
+          </a:bodyPr>
+          <a:lstStyle/>
+          <a:p>
+            <a:pPr algn="ctr"/>
+            <a:r>
+              <a:rPr lang="pt-BR" sz="3200" dirty="0"/>
+              <a:t>Comandos</a:t>
+            </a:r>
+          </a:p>
+        </p:txBody>
+      </p:sp>
+    </p:spTree>
+    <p:extLst>
+      <p:ext uri="{BB962C8B-B14F-4D97-AF65-F5344CB8AC3E}">
+        <p14:creationId xmlns:p14="http://schemas.microsoft.com/office/powerpoint/2010/main" val="1858608751"/>
+      </p:ext>
+    </p:extLst>
+  </p:cSld>
+  <p:clrMapOvr>
+    <a:masterClrMapping/>
+  </p:clrMapOvr>
+</p:sld>
+</file>
+
+<file path=ppt/slides/slide8.xml><?xml version="1.0" encoding="utf-8"?>
+<p:sld xmlns:a="http://schemas.openxmlformats.org/drawingml/2006/main" xmlns:r="http://schemas.openxmlformats.org/officeDocument/2006/relationships" xmlns:p="http://schemas.openxmlformats.org/presentationml/2006/main">
+  <p:cSld>
+    <p:spTree>
+      <p:nvGrpSpPr>
+        <p:cNvPr id="1" name=""/>
+        <p:cNvGrpSpPr/>
+        <p:nvPr/>
+      </p:nvGrpSpPr>
+      <p:grpSpPr>
+        <a:xfrm>
+          <a:off x="0" y="0"/>
+          <a:ext cx="0" cy="0"/>
+          <a:chOff x="0" y="0"/>
+          <a:chExt cx="0" cy="0"/>
+        </a:xfrm>
+      </p:grpSpPr>
+      <p:sp>
+        <p:nvSpPr>
+          <p:cNvPr id="11" name="Espaço Reservado para Número de Slide 10">
+            <a:extLst>
+              <a:ext uri="{FF2B5EF4-FFF2-40B4-BE49-F238E27FC236}">
+                <a16:creationId xmlns:a16="http://schemas.microsoft.com/office/drawing/2014/main" id="{B3E69447-CC94-47BE-B909-2792C1A623D5}"/>
+              </a:ext>
+            </a:extLst>
+          </p:cNvPr>
+          <p:cNvSpPr>
+            <a:spLocks noGrp="1"/>
+          </p:cNvSpPr>
+          <p:nvPr>
+            <p:ph type="sldNum" sz="quarter" idx="12"/>
+          </p:nvPr>
+        </p:nvSpPr>
+        <p:spPr/>
+        <p:txBody>
+          <a:bodyPr/>
+          <a:lstStyle/>
+          <a:p>
+            <a:fld id="{4FAB73BC-B049-4115-A692-8D63A059BFB8}" type="slidenum">
+              <a:rPr lang="en-US" smtClean="0"/>
+              <a:pPr/>
+              <a:t>8</a:t>
+            </a:fld>
+            <a:endParaRPr lang="en-US" dirty="0"/>
+          </a:p>
+        </p:txBody>
+      </p:sp>
+      <p:sp>
+        <p:nvSpPr>
+          <p:cNvPr id="2" name="CaixaDeTexto 1">
+            <a:extLst>
+              <a:ext uri="{FF2B5EF4-FFF2-40B4-BE49-F238E27FC236}">
+                <a16:creationId xmlns:a16="http://schemas.microsoft.com/office/drawing/2014/main" id="{F124F5EC-79E5-4D0D-8D3E-5992C8CAA9EE}"/>
+              </a:ext>
+            </a:extLst>
+          </p:cNvPr>
+          <p:cNvSpPr txBox="1">
+            <a:spLocks/>
+          </p:cNvSpPr>
+          <p:nvPr/>
+        </p:nvSpPr>
+        <p:spPr>
+          <a:xfrm>
+            <a:off x="0" y="387765"/>
+            <a:ext cx="12192000" cy="1210011"/>
+          </a:xfrm>
+          <a:prstGeom prst="rect">
+            <a:avLst/>
+          </a:prstGeom>
+          <a:noFill/>
+        </p:spPr>
+        <p:txBody>
+          <a:bodyPr wrap="square" rtlCol="0">
+            <a:spAutoFit/>
+          </a:bodyPr>
+          <a:lstStyle/>
+          <a:p>
+            <a:pPr algn="ctr">
+              <a:lnSpc>
+                <a:spcPct val="150000"/>
+              </a:lnSpc>
+            </a:pPr>
+            <a:r>
+              <a:rPr lang="pt-BR" sz="5400" b="1" dirty="0"/>
+              <a:t>Tecnologias</a:t>
+            </a:r>
+          </a:p>
+        </p:txBody>
+      </p:sp>
+      <p:pic>
+        <p:nvPicPr>
+          <p:cNvPr id="5" name="Imagem 4">
+            <a:extLst>
+              <a:ext uri="{FF2B5EF4-FFF2-40B4-BE49-F238E27FC236}">
+                <a16:creationId xmlns:a16="http://schemas.microsoft.com/office/drawing/2014/main" id="{2DA3BDEF-0F05-40B2-87D9-5AFD8925D0EB}"/>
+              </a:ext>
+            </a:extLst>
+          </p:cNvPr>
+          <p:cNvPicPr>
+            <a:picLocks noChangeAspect="1"/>
+          </p:cNvPicPr>
+          <p:nvPr/>
+        </p:nvPicPr>
+        <p:blipFill>
+          <a:blip r:embed="rId2"/>
+          <a:stretch>
+            <a:fillRect/>
+          </a:stretch>
+        </p:blipFill>
+        <p:spPr>
+          <a:xfrm>
+            <a:off x="1951453" y="1056220"/>
+            <a:ext cx="3112192" cy="4668289"/>
+          </a:xfrm>
+          <a:prstGeom prst="rect">
+            <a:avLst/>
+          </a:prstGeom>
+        </p:spPr>
+      </p:pic>
+      <p:sp>
+        <p:nvSpPr>
+          <p:cNvPr id="4" name="CaixaDeTexto 3">
+            <a:extLst>
+              <a:ext uri="{FF2B5EF4-FFF2-40B4-BE49-F238E27FC236}">
+                <a16:creationId xmlns:a16="http://schemas.microsoft.com/office/drawing/2014/main" id="{155B012B-0B27-4112-9DFF-331343DCDC18}"/>
+              </a:ext>
+            </a:extLst>
+          </p:cNvPr>
+          <p:cNvSpPr txBox="1">
+            <a:spLocks/>
+          </p:cNvSpPr>
+          <p:nvPr/>
+        </p:nvSpPr>
+        <p:spPr>
+          <a:xfrm>
+            <a:off x="1711940" y="4879570"/>
+            <a:ext cx="3591218" cy="1323439"/>
+          </a:xfrm>
+          <a:prstGeom prst="rect">
+            <a:avLst/>
+          </a:prstGeom>
+          <a:noFill/>
+        </p:spPr>
+        <p:txBody>
+          <a:bodyPr wrap="square" rtlCol="0">
+            <a:spAutoFit/>
+          </a:bodyPr>
+          <a:lstStyle/>
+          <a:p>
+            <a:pPr algn="ctr"/>
+            <a:r>
+              <a:rPr lang="pt-BR" sz="4000" b="1" dirty="0"/>
+              <a:t>SERVIDOR</a:t>
+            </a:r>
+          </a:p>
+          <a:p>
+            <a:pPr algn="ctr"/>
+            <a:r>
+              <a:rPr lang="pt-BR" sz="4000" b="1" dirty="0"/>
+              <a:t>(7.000 linhas)</a:t>
+            </a:r>
+          </a:p>
+        </p:txBody>
+      </p:sp>
+      <p:pic>
+        <p:nvPicPr>
+          <p:cNvPr id="2050" name="Picture 2" descr="Image result for json">
+            <a:extLst>
+              <a:ext uri="{FF2B5EF4-FFF2-40B4-BE49-F238E27FC236}">
+                <a16:creationId xmlns:a16="http://schemas.microsoft.com/office/drawing/2014/main" id="{8D529E27-35DB-486B-9E0E-343CB8963663}"/>
+              </a:ext>
+            </a:extLst>
+          </p:cNvPr>
+          <p:cNvPicPr>
+            <a:picLocks noChangeAspect="1" noChangeArrowheads="1"/>
+          </p:cNvPicPr>
+          <p:nvPr/>
+        </p:nvPicPr>
+        <p:blipFill>
+          <a:blip r:embed="rId3">
+            <a:extLst>
+              <a:ext uri="{28A0092B-C50C-407E-A947-70E740481C1C}">
+                <a14:useLocalDpi xmlns:a14="http://schemas.microsoft.com/office/drawing/2010/main" val="0"/>
+              </a:ext>
+            </a:extLst>
+          </a:blip>
+          <a:srcRect/>
+          <a:stretch>
+            <a:fillRect/>
+          </a:stretch>
+        </p:blipFill>
+        <p:spPr bwMode="auto">
+          <a:xfrm>
+            <a:off x="5964339" y="2525932"/>
+            <a:ext cx="4876800" cy="1933575"/>
+          </a:xfrm>
+          <a:prstGeom prst="rect">
+            <a:avLst/>
+          </a:prstGeom>
+          <a:noFill/>
+          <a:extLst>
+            <a:ext uri="{909E8E84-426E-40DD-AFC4-6F175D3DCCD1}">
+              <a14:hiddenFill xmlns:a14="http://schemas.microsoft.com/office/drawing/2010/main">
+                <a:solidFill>
+                  <a:srgbClr val="FFFFFF"/>
+                </a:solidFill>
+              </a14:hiddenFill>
+            </a:ext>
+          </a:extLst>
+        </p:spPr>
+      </p:pic>
+      <p:sp>
+        <p:nvSpPr>
+          <p:cNvPr id="8" name="CaixaDeTexto 7">
+            <a:extLst>
+              <a:ext uri="{FF2B5EF4-FFF2-40B4-BE49-F238E27FC236}">
+                <a16:creationId xmlns:a16="http://schemas.microsoft.com/office/drawing/2014/main" id="{DA9D9286-8F3E-4506-8439-C559D34A49D5}"/>
+              </a:ext>
+            </a:extLst>
+          </p:cNvPr>
+          <p:cNvSpPr txBox="1">
+            <a:spLocks/>
+          </p:cNvSpPr>
+          <p:nvPr/>
+        </p:nvSpPr>
+        <p:spPr>
+          <a:xfrm>
+            <a:off x="6607130" y="5085580"/>
+            <a:ext cx="3591218" cy="707886"/>
+          </a:xfrm>
+          <a:prstGeom prst="rect">
+            <a:avLst/>
+          </a:prstGeom>
+          <a:noFill/>
+        </p:spPr>
+        <p:txBody>
+          <a:bodyPr wrap="square" rtlCol="0">
+            <a:spAutoFit/>
+          </a:bodyPr>
+          <a:lstStyle/>
+          <a:p>
+            <a:pPr algn="ctr"/>
+            <a:r>
+              <a:rPr lang="pt-BR" sz="4000" b="1" dirty="0"/>
+              <a:t>MENSAGENS</a:t>
+            </a:r>
+          </a:p>
+        </p:txBody>
+      </p:sp>
+    </p:spTree>
+    <p:extLst>
+      <p:ext uri="{BB962C8B-B14F-4D97-AF65-F5344CB8AC3E}">
+        <p14:creationId xmlns:p14="http://schemas.microsoft.com/office/powerpoint/2010/main" val="2040453538"/>
+      </p:ext>
+    </p:extLst>
+  </p:cSld>
+  <p:clrMapOvr>
+    <a:masterClrMapping/>
+  </p:clrMapOvr>
+</p:sld>
+</file>
+
+<file path=ppt/slides/slide9.xml><?xml version="1.0" encoding="utf-8"?>
+<p:sld xmlns:a="http://schemas.openxmlformats.org/drawingml/2006/main" xmlns:r="http://schemas.openxmlformats.org/officeDocument/2006/relationships" xmlns:p="http://schemas.openxmlformats.org/presentationml/2006/main">
+  <p:cSld>
+    <p:spTree>
+      <p:nvGrpSpPr>
+        <p:cNvPr id="1" name=""/>
+        <p:cNvGrpSpPr/>
+        <p:nvPr/>
+      </p:nvGrpSpPr>
+      <p:grpSpPr>
+        <a:xfrm>
+          <a:off x="0" y="0"/>
+          <a:ext cx="0" cy="0"/>
+          <a:chOff x="0" y="0"/>
+          <a:chExt cx="0" cy="0"/>
+        </a:xfrm>
+      </p:grpSpPr>
+      <p:sp>
+        <p:nvSpPr>
+          <p:cNvPr id="11" name="Espaço Reservado para Número de Slide 10">
+            <a:extLst>
+              <a:ext uri="{FF2B5EF4-FFF2-40B4-BE49-F238E27FC236}">
+                <a16:creationId xmlns:a16="http://schemas.microsoft.com/office/drawing/2014/main" id="{B3E69447-CC94-47BE-B909-2792C1A623D5}"/>
+              </a:ext>
+            </a:extLst>
+          </p:cNvPr>
+          <p:cNvSpPr>
+            <a:spLocks noGrp="1"/>
+          </p:cNvSpPr>
+          <p:nvPr>
+            <p:ph type="sldNum" sz="quarter" idx="12"/>
+          </p:nvPr>
+        </p:nvSpPr>
+        <p:spPr/>
+        <p:txBody>
+          <a:bodyPr/>
+          <a:lstStyle/>
+          <a:p>
+            <a:fld id="{4FAB73BC-B049-4115-A692-8D63A059BFB8}" type="slidenum">
+              <a:rPr lang="en-US" smtClean="0"/>
+              <a:pPr/>
+              <a:t>9</a:t>
+            </a:fld>
+            <a:endParaRPr lang="en-US" dirty="0"/>
+          </a:p>
+        </p:txBody>
+      </p:sp>
+      <p:sp>
+        <p:nvSpPr>
+          <p:cNvPr id="9" name="CaixaDeTexto 8">
+            <a:extLst>
+              <a:ext uri="{FF2B5EF4-FFF2-40B4-BE49-F238E27FC236}">
+                <a16:creationId xmlns:a16="http://schemas.microsoft.com/office/drawing/2014/main" id="{6BF618BA-09CE-437C-A8BD-BEBC30E1369E}"/>
+              </a:ext>
+            </a:extLst>
+          </p:cNvPr>
+          <p:cNvSpPr txBox="1">
+            <a:spLocks/>
+          </p:cNvSpPr>
+          <p:nvPr/>
+        </p:nvSpPr>
+        <p:spPr>
+          <a:xfrm>
+            <a:off x="0" y="53016"/>
+            <a:ext cx="12192000" cy="1210011"/>
+          </a:xfrm>
+          <a:prstGeom prst="rect">
+            <a:avLst/>
+          </a:prstGeom>
+          <a:noFill/>
+        </p:spPr>
+        <p:txBody>
+          <a:bodyPr wrap="square" rtlCol="0">
+            <a:spAutoFit/>
+          </a:bodyPr>
+          <a:lstStyle/>
+          <a:p>
+            <a:pPr algn="ctr">
+              <a:lnSpc>
+                <a:spcPct val="150000"/>
+              </a:lnSpc>
+            </a:pPr>
+            <a:r>
+              <a:rPr lang="pt-BR" sz="5400" b="1" dirty="0"/>
+              <a:t>Exemplo de JSON</a:t>
+            </a:r>
+          </a:p>
+        </p:txBody>
+      </p:sp>
+      <p:sp>
+        <p:nvSpPr>
+          <p:cNvPr id="7" name="CaixaDeTexto 6">
+            <a:extLst>
+              <a:ext uri="{FF2B5EF4-FFF2-40B4-BE49-F238E27FC236}">
+                <a16:creationId xmlns:a16="http://schemas.microsoft.com/office/drawing/2014/main" id="{4C4FC1A4-E1B3-44DB-AB10-7F0A6970ED86}"/>
+              </a:ext>
+            </a:extLst>
+          </p:cNvPr>
+          <p:cNvSpPr txBox="1"/>
+          <p:nvPr/>
+        </p:nvSpPr>
+        <p:spPr>
+          <a:xfrm>
+            <a:off x="4429154" y="1277223"/>
+            <a:ext cx="3336212" cy="5016758"/>
+          </a:xfrm>
+          <a:prstGeom prst="rect">
+            <a:avLst/>
+          </a:prstGeom>
+          <a:noFill/>
+        </p:spPr>
+        <p:txBody>
+          <a:bodyPr wrap="square" rtlCol="0">
+            <a:spAutoFit/>
+          </a:bodyPr>
+          <a:lstStyle/>
+          <a:p>
+            <a:r>
+              <a:rPr lang="pt-BR" sz="2000" b="1" dirty="0"/>
+              <a:t>{</a:t>
+            </a:r>
+          </a:p>
+          <a:p>
+            <a:r>
+              <a:rPr lang="pt-BR" sz="2000" b="1" dirty="0"/>
+              <a:t>	"</a:t>
+            </a:r>
+            <a:r>
+              <a:rPr lang="pt-BR" sz="2000" b="1" dirty="0" err="1"/>
+              <a:t>mac</a:t>
+            </a:r>
+            <a:r>
+              <a:rPr lang="pt-BR" sz="2000" b="1" dirty="0"/>
+              <a:t>“ : "E841A7FCF5C",</a:t>
+            </a:r>
+          </a:p>
+          <a:p>
+            <a:r>
+              <a:rPr lang="pt-BR" sz="2000" b="1" dirty="0"/>
+              <a:t>	"</a:t>
+            </a:r>
+            <a:r>
+              <a:rPr lang="pt-BR" sz="2000" b="1" dirty="0" err="1"/>
+              <a:t>msg</a:t>
+            </a:r>
+            <a:r>
+              <a:rPr lang="pt-BR" sz="2000" b="1" dirty="0"/>
+              <a:t>“ : 1100,</a:t>
+            </a:r>
+          </a:p>
+          <a:p>
+            <a:r>
+              <a:rPr lang="pt-BR" sz="2000" b="1" dirty="0"/>
+              <a:t>	"</a:t>
+            </a:r>
+            <a:r>
+              <a:rPr lang="pt-BR" sz="2000" b="1" dirty="0" err="1"/>
+              <a:t>un</a:t>
+            </a:r>
+            <a:r>
+              <a:rPr lang="pt-BR" sz="2000" b="1" dirty="0"/>
+              <a:t>“ : "</a:t>
+            </a:r>
+            <a:r>
+              <a:rPr lang="pt-BR" sz="2000" b="1" dirty="0" err="1"/>
+              <a:t>Prototipo</a:t>
+            </a:r>
+            <a:r>
+              <a:rPr lang="pt-BR" sz="2000" b="1" dirty="0"/>
+              <a:t>",</a:t>
+            </a:r>
+          </a:p>
+          <a:p>
+            <a:r>
+              <a:rPr lang="pt-BR" sz="2000" b="1" dirty="0"/>
+              <a:t>	"</a:t>
+            </a:r>
+            <a:r>
+              <a:rPr lang="pt-BR" sz="2000" b="1" dirty="0" err="1"/>
+              <a:t>stp</a:t>
+            </a:r>
+            <a:r>
+              <a:rPr lang="pt-BR" sz="2000" b="1" dirty="0"/>
+              <a:t>“ : { </a:t>
+            </a:r>
+          </a:p>
+          <a:p>
+            <a:r>
+              <a:rPr lang="pt-BR" sz="2000" b="1" dirty="0"/>
+              <a:t>		"</a:t>
+            </a:r>
+            <a:r>
+              <a:rPr lang="pt-BR" sz="2000" b="1" dirty="0" err="1"/>
+              <a:t>ca</a:t>
+            </a:r>
+            <a:r>
+              <a:rPr lang="pt-BR" sz="2000" b="1" dirty="0"/>
+              <a:t>“ : </a:t>
+            </a:r>
+            <a:r>
+              <a:rPr lang="pt-BR" sz="2000" b="1" dirty="0" err="1"/>
+              <a:t>true</a:t>
+            </a:r>
+            <a:r>
+              <a:rPr lang="pt-BR" sz="2000" b="1" dirty="0"/>
+              <a:t>,</a:t>
+            </a:r>
+          </a:p>
+          <a:p>
+            <a:r>
+              <a:rPr lang="pt-BR" sz="2000" b="1" dirty="0"/>
+              <a:t>		"</a:t>
+            </a:r>
+            <a:r>
+              <a:rPr lang="pt-BR" sz="2000" b="1" dirty="0" err="1"/>
+              <a:t>ce</a:t>
+            </a:r>
+            <a:r>
+              <a:rPr lang="pt-BR" sz="2000" b="1" dirty="0"/>
+              <a:t>“ : 0.1,</a:t>
+            </a:r>
+          </a:p>
+          <a:p>
+            <a:r>
+              <a:rPr lang="pt-BR" sz="2000" b="1" dirty="0"/>
+              <a:t>		"</a:t>
+            </a:r>
+            <a:r>
+              <a:rPr lang="pt-BR" sz="2000" b="1" dirty="0" err="1"/>
+              <a:t>cf</a:t>
+            </a:r>
+            <a:r>
+              <a:rPr lang="pt-BR" sz="2000" b="1" dirty="0"/>
+              <a:t>“ : 4.1,</a:t>
+            </a:r>
+          </a:p>
+          <a:p>
+            <a:r>
+              <a:rPr lang="pt-BR" sz="2000" b="1" dirty="0"/>
+              <a:t>		"</a:t>
+            </a:r>
+            <a:r>
+              <a:rPr lang="pt-BR" sz="2000" b="1" dirty="0" err="1"/>
+              <a:t>wa</a:t>
+            </a:r>
+            <a:r>
+              <a:rPr lang="pt-BR" sz="2000" b="1" dirty="0"/>
+              <a:t>“ : </a:t>
+            </a:r>
+            <a:r>
+              <a:rPr lang="pt-BR" sz="2000" b="1" dirty="0" err="1"/>
+              <a:t>true</a:t>
+            </a:r>
+            <a:r>
+              <a:rPr lang="pt-BR" sz="2000" b="1" dirty="0"/>
+              <a:t>,</a:t>
+            </a:r>
+          </a:p>
+          <a:p>
+            <a:r>
+              <a:rPr lang="pt-BR" sz="2000" b="1" dirty="0"/>
+              <a:t>		"</a:t>
+            </a:r>
+            <a:r>
+              <a:rPr lang="pt-BR" sz="2000" b="1" dirty="0" err="1"/>
+              <a:t>we</a:t>
+            </a:r>
+            <a:r>
+              <a:rPr lang="pt-BR" sz="2000" b="1" dirty="0"/>
+              <a:t>“ : 0.2,</a:t>
+            </a:r>
+          </a:p>
+          <a:p>
+            <a:r>
+              <a:rPr lang="pt-BR" sz="2000" b="1" dirty="0"/>
+              <a:t>		"</a:t>
+            </a:r>
+            <a:r>
+              <a:rPr lang="pt-BR" sz="2000" b="1" dirty="0" err="1"/>
+              <a:t>wf</a:t>
+            </a:r>
+            <a:r>
+              <a:rPr lang="pt-BR" sz="2000" b="1" dirty="0"/>
+              <a:t>“ : 4.2,</a:t>
+            </a:r>
+          </a:p>
+          <a:p>
+            <a:r>
+              <a:rPr lang="pt-BR" sz="2000" b="1" dirty="0"/>
+              <a:t>		“</a:t>
+            </a:r>
+            <a:r>
+              <a:rPr lang="pt-BR" sz="2000" b="1" dirty="0" err="1"/>
+              <a:t>sa</a:t>
+            </a:r>
+            <a:r>
+              <a:rPr lang="pt-BR" sz="2000" b="1" dirty="0"/>
+              <a:t>“ : </a:t>
+            </a:r>
+            <a:r>
+              <a:rPr lang="pt-BR" sz="2000" b="1" dirty="0" err="1"/>
+              <a:t>true</a:t>
+            </a:r>
+            <a:r>
+              <a:rPr lang="pt-BR" sz="2000" b="1" dirty="0"/>
+              <a:t>,</a:t>
+            </a:r>
+          </a:p>
+          <a:p>
+            <a:r>
+              <a:rPr lang="pt-BR" sz="2000" b="1" dirty="0"/>
+              <a:t> 		"se“ : 0.3,</a:t>
+            </a:r>
+          </a:p>
+          <a:p>
+            <a:r>
+              <a:rPr lang="pt-BR" sz="2000" b="1" dirty="0"/>
+              <a:t>		"</a:t>
+            </a:r>
+            <a:r>
+              <a:rPr lang="pt-BR" sz="2000" b="1" dirty="0" err="1"/>
+              <a:t>sf</a:t>
+            </a:r>
+            <a:r>
+              <a:rPr lang="pt-BR" sz="2000" b="1" dirty="0"/>
+              <a:t>“ : 4.3</a:t>
+            </a:r>
+          </a:p>
+          <a:p>
+            <a:r>
+              <a:rPr lang="pt-BR" sz="2000" b="1" dirty="0"/>
+              <a:t>	}</a:t>
+            </a:r>
+          </a:p>
+          <a:p>
+            <a:r>
+              <a:rPr lang="pt-BR" sz="2000" b="1" dirty="0"/>
+              <a:t>}</a:t>
+            </a:r>
+          </a:p>
+        </p:txBody>
+      </p:sp>
+    </p:spTree>
+    <p:extLst>
+      <p:ext uri="{BB962C8B-B14F-4D97-AF65-F5344CB8AC3E}">
+        <p14:creationId xmlns:p14="http://schemas.microsoft.com/office/powerpoint/2010/main" val="2558383770"/>
       </p:ext>
     </p:extLst>
   </p:cSld>
